--- a/ee523/evaluation/p/ee523_project_presentation_aryan_ritwajeet_jha.pptx
+++ b/ee523/evaluation/p/ee523_project_presentation_aryan_ritwajeet_jha.pptx
@@ -5,21 +5,15 @@
     <p:sldMasterId id="2147483686" r:id="rId1"/>
   </p:sldMasterIdLst>
   <p:notesMasterIdLst>
-    <p:notesMasterId r:id="rId11"/>
+    <p:notesMasterId r:id="rId5"/>
   </p:notesMasterIdLst>
   <p:handoutMasterIdLst>
-    <p:handoutMasterId r:id="rId12"/>
+    <p:handoutMasterId r:id="rId6"/>
   </p:handoutMasterIdLst>
   <p:sldIdLst>
     <p:sldId id="257" r:id="rId2"/>
     <p:sldId id="276" r:id="rId3"/>
     <p:sldId id="264" r:id="rId4"/>
-    <p:sldId id="271" r:id="rId5"/>
-    <p:sldId id="277" r:id="rId6"/>
-    <p:sldId id="266" r:id="rId7"/>
-    <p:sldId id="267" r:id="rId8"/>
-    <p:sldId id="269" r:id="rId9"/>
-    <p:sldId id="270" r:id="rId10"/>
   </p:sldIdLst>
   <p:sldSz cx="12192000" cy="6858000"/>
   <p:notesSz cx="6858000" cy="9144000"/>
@@ -678,191 +672,6 @@
 </p:notesMaster>
 </file>
 
-<file path=ppt/notesSlides/notesSlide1.xml><?xml version="1.0" encoding="utf-8"?>
-<p:notes xmlns:a="http://schemas.openxmlformats.org/drawingml/2006/main" xmlns:r="http://schemas.openxmlformats.org/officeDocument/2006/relationships" xmlns:p="http://schemas.openxmlformats.org/presentationml/2006/main">
-  <p:cSld>
-    <p:spTree>
-      <p:nvGrpSpPr>
-        <p:cNvPr id="1" name=""/>
-        <p:cNvGrpSpPr/>
-        <p:nvPr/>
-      </p:nvGrpSpPr>
-      <p:grpSpPr>
-        <a:xfrm>
-          <a:off x="0" y="0"/>
-          <a:ext cx="0" cy="0"/>
-          <a:chOff x="0" y="0"/>
-          <a:chExt cx="0" cy="0"/>
-        </a:xfrm>
-      </p:grpSpPr>
-      <p:sp>
-        <p:nvSpPr>
-          <p:cNvPr id="2" name="Slide Image Placeholder 1"/>
-          <p:cNvSpPr>
-            <a:spLocks noGrp="1" noRot="1" noChangeAspect="1"/>
-          </p:cNvSpPr>
-          <p:nvPr>
-            <p:ph type="sldImg"/>
-          </p:nvPr>
-        </p:nvSpPr>
-        <p:spPr/>
-      </p:sp>
-      <p:sp>
-        <p:nvSpPr>
-          <p:cNvPr id="3" name="Notes Placeholder 2"/>
-          <p:cNvSpPr>
-            <a:spLocks noGrp="1"/>
-          </p:cNvSpPr>
-          <p:nvPr>
-            <p:ph type="body" idx="1"/>
-          </p:nvPr>
-        </p:nvSpPr>
-        <p:spPr/>
-        <p:txBody>
-          <a:bodyPr/>
-          <a:lstStyle/>
-          <a:p>
-            <a:pPr marL="0" indent="0">
-              <a:buFont typeface="+mj-lt"/>
-              <a:buNone/>
-            </a:pPr>
-            <a:r>
-              <a:rPr lang="en-US" dirty="0"/>
-              <a:t>To get the text box on the right to fit the text: </a:t>
-            </a:r>
-          </a:p>
-          <a:p>
-            <a:pPr marL="228600" indent="-228600">
-              <a:buFont typeface="+mj-lt"/>
-              <a:buAutoNum type="arabicPeriod"/>
-            </a:pPr>
-            <a:r>
-              <a:rPr lang="en-US" b="0" dirty="0"/>
-              <a:t> </a:t>
-            </a:r>
-            <a:r>
-              <a:rPr lang="en-US" b="1" dirty="0"/>
-              <a:t>right click on the text box</a:t>
-            </a:r>
-            <a:r>
-              <a:rPr lang="en-US" dirty="0"/>
-              <a:t>, </a:t>
-            </a:r>
-          </a:p>
-          <a:p>
-            <a:pPr marL="228600" indent="-228600">
-              <a:buFont typeface="+mj-lt"/>
-              <a:buAutoNum type="arabicPeriod"/>
-            </a:pPr>
-            <a:r>
-              <a:rPr lang="en-US" dirty="0"/>
-              <a:t>choose </a:t>
-            </a:r>
-            <a:r>
-              <a:rPr lang="en-US" b="1" dirty="0"/>
-              <a:t>Format Text Effects</a:t>
-            </a:r>
-            <a:r>
-              <a:rPr lang="en-US" dirty="0"/>
-              <a:t>, </a:t>
-            </a:r>
-          </a:p>
-          <a:p>
-            <a:pPr marL="228600" indent="-228600">
-              <a:buFont typeface="+mj-lt"/>
-              <a:buAutoNum type="arabicPeriod"/>
-            </a:pPr>
-            <a:r>
-              <a:rPr lang="en-US" b="0" dirty="0"/>
-              <a:t> </a:t>
-            </a:r>
-            <a:r>
-              <a:rPr lang="en-US" b="1" dirty="0"/>
-              <a:t>click the right symbol </a:t>
-            </a:r>
-            <a:r>
-              <a:rPr lang="en-US" b="1" dirty="0" err="1"/>
-              <a:t>TextBox</a:t>
-            </a:r>
-            <a:r>
-              <a:rPr lang="en-US" dirty="0"/>
-              <a:t>, </a:t>
-            </a:r>
-          </a:p>
-          <a:p>
-            <a:pPr marL="228600" indent="-228600">
-              <a:buFont typeface="+mj-lt"/>
-              <a:buAutoNum type="arabicPeriod"/>
-            </a:pPr>
-            <a:r>
-              <a:rPr lang="en-US" dirty="0"/>
-              <a:t>click </a:t>
-            </a:r>
-            <a:r>
-              <a:rPr lang="en-US" b="1" dirty="0"/>
-              <a:t>Do Not Auto Fit</a:t>
-            </a:r>
-            <a:r>
-              <a:rPr lang="en-US" dirty="0"/>
-              <a:t>, </a:t>
-            </a:r>
-          </a:p>
-          <a:p>
-            <a:pPr marL="228600" indent="-228600">
-              <a:buFont typeface="+mj-lt"/>
-              <a:buAutoNum type="arabicPeriod"/>
-            </a:pPr>
-            <a:r>
-              <a:rPr lang="en-US" dirty="0"/>
-              <a:t>then click </a:t>
-            </a:r>
-            <a:r>
-              <a:rPr lang="en-US" b="1" dirty="0"/>
-              <a:t>Resize Shape to Fit Text</a:t>
-            </a:r>
-            <a:r>
-              <a:rPr lang="en-US" dirty="0"/>
-              <a:t>, the box should conform to fit the text.</a:t>
-            </a:r>
-          </a:p>
-        </p:txBody>
-      </p:sp>
-      <p:sp>
-        <p:nvSpPr>
-          <p:cNvPr id="4" name="Slide Number Placeholder 3"/>
-          <p:cNvSpPr>
-            <a:spLocks noGrp="1"/>
-          </p:cNvSpPr>
-          <p:nvPr>
-            <p:ph type="sldNum" sz="quarter" idx="5"/>
-          </p:nvPr>
-        </p:nvSpPr>
-        <p:spPr/>
-        <p:txBody>
-          <a:bodyPr/>
-          <a:lstStyle/>
-          <a:p>
-            <a:fld id="{85CEC689-B63F-4B6D-AF6D-31DA368AC821}" type="slidenum">
-              <a:rPr lang="en-US" smtClean="0"/>
-              <a:t>9</a:t>
-            </a:fld>
-            <a:endParaRPr lang="en-US"/>
-          </a:p>
-        </p:txBody>
-      </p:sp>
-    </p:spTree>
-    <p:extLst>
-      <p:ext uri="{BB962C8B-B14F-4D97-AF65-F5344CB8AC3E}">
-        <p14:creationId xmlns:p14="http://schemas.microsoft.com/office/powerpoint/2010/main" val="3414291036"/>
-      </p:ext>
-    </p:extLst>
-  </p:cSld>
-  <p:clrMapOvr>
-    <a:masterClrMapping/>
-  </p:clrMapOvr>
-</p:notes>
-</file>
-
 <file path=ppt/slideLayouts/slideLayout1.xml><?xml version="1.0" encoding="utf-8"?>
 <p:sldLayout xmlns:a="http://schemas.openxmlformats.org/drawingml/2006/main" xmlns:r="http://schemas.openxmlformats.org/officeDocument/2006/relationships" xmlns:p="http://schemas.openxmlformats.org/presentationml/2006/main" showMasterSp="0" type="title" preserve="1">
   <p:cSld name="1. Title Slide">
@@ -2259,7 +2068,13 @@
         <p:spPr/>
         <p:txBody>
           <a:bodyPr anchor="t" anchorCtr="1"/>
-          <a:lstStyle/>
+          <a:lstStyle>
+            <a:lvl1pPr>
+              <a:defRPr>
+                <a:latin typeface="Sitka Banner" pitchFamily="2" charset="0"/>
+              </a:defRPr>
+            </a:lvl1pPr>
+          </a:lstStyle>
           <a:p>
             <a:pPr lvl="0"/>
             <a:r>
@@ -2327,7 +2142,7 @@
                 <a:solidFill>
                   <a:schemeClr val="tx2"/>
                 </a:solidFill>
-                <a:latin typeface="Arial Black" panose="020B0A04020102020204" pitchFamily="34" charset="0"/>
+                <a:latin typeface="Sitka Banner" pitchFamily="2" charset="0"/>
                 <a:ea typeface="+mj-ea"/>
                 <a:cs typeface="+mj-cs"/>
               </a:defRPr>
@@ -3246,7 +3061,13 @@
         </p:spPr>
         <p:txBody>
           <a:bodyPr/>
-          <a:lstStyle/>
+          <a:lstStyle>
+            <a:lvl1pPr>
+              <a:defRPr>
+                <a:latin typeface="+mj-lt"/>
+              </a:defRPr>
+            </a:lvl1pPr>
+          </a:lstStyle>
           <a:p>
             <a:r>
               <a:rPr lang="en-US" dirty="0"/>
@@ -3349,7 +3170,13 @@
         </p:spPr>
         <p:txBody>
           <a:bodyPr/>
-          <a:lstStyle/>
+          <a:lstStyle>
+            <a:lvl1pPr>
+              <a:defRPr>
+                <a:latin typeface="+mj-lt"/>
+              </a:defRPr>
+            </a:lvl1pPr>
+          </a:lstStyle>
           <a:p>
             <a:r>
               <a:rPr lang="en-US" dirty="0"/>
@@ -4494,7 +4321,7 @@
           <a:p>
             <a:pPr algn="l"/>
             <a:r>
-              <a:rPr lang="en-US" sz="4000" dirty="0"/>
+              <a:rPr lang="en-US" sz="4000" b="1" dirty="0"/>
               <a:t>Dynamic Programming for Damping Oscillations in Power Systems</a:t>
             </a:r>
           </a:p>
@@ -4529,7 +4356,11 @@
           <a:lstStyle/>
           <a:p>
             <a:r>
-              <a:rPr lang="en-US" i="1" dirty="0"/>
+              <a:rPr lang="en-US" sz="3600" i="1" dirty="0">
+                <a:latin typeface="Amiri" panose="00000500000000000000" pitchFamily="2" charset="-78"/>
+                <a:ea typeface="Amiri" panose="00000500000000000000" pitchFamily="2" charset="-78"/>
+                <a:cs typeface="Amiri" panose="00000500000000000000" pitchFamily="2" charset="-78"/>
+              </a:rPr>
               <a:t>Aryan Ritwajeet Jha</a:t>
             </a:r>
           </a:p>
@@ -4549,8 +4380,8 @@
         </p:nvSpPr>
         <p:spPr>
           <a:xfrm>
-            <a:off x="1524000" y="2772740"/>
-            <a:ext cx="9144000" cy="369332"/>
+            <a:off x="595281" y="2772740"/>
+            <a:ext cx="11113949" cy="369332"/>
           </a:xfrm>
           <a:prstGeom prst="rect">
             <a:avLst/>
@@ -4569,6 +4400,8 @@
                 <a:solidFill>
                   <a:schemeClr val="bg2"/>
                 </a:solidFill>
+                <a:latin typeface="Arial" panose="020B0604020202020204" pitchFamily="34" charset="0"/>
+                <a:cs typeface="Arial" panose="020B0604020202020204" pitchFamily="34" charset="0"/>
               </a:rPr>
               <a:t>Chao Lu, Jennie Si, and Xiaorong Xie</a:t>
             </a:r>
@@ -4626,67 +4459,54 @@
           <a:bodyPr/>
           <a:lstStyle/>
           <a:p>
-            <a:r>
-              <a:rPr lang="en-US" dirty="0"/>
-              <a:t>Banh mi polaroid</a:t>
-            </a:r>
-          </a:p>
-          <a:p>
-            <a:r>
-              <a:rPr lang="en-US" dirty="0"/>
-              <a:t>Church-key skateboard </a:t>
-            </a:r>
-          </a:p>
-          <a:p>
-            <a:pPr lvl="1"/>
-            <a:r>
-              <a:rPr lang="en-US" dirty="0"/>
-              <a:t>Gastropub </a:t>
-            </a:r>
-          </a:p>
-          <a:p>
-            <a:pPr lvl="1"/>
-            <a:r>
-              <a:rPr lang="en-US" dirty="0"/>
-              <a:t>You probably haven't heard of them</a:t>
-            </a:r>
-          </a:p>
-          <a:p>
-            <a:pPr lvl="1"/>
-            <a:r>
-              <a:rPr lang="en-US" dirty="0"/>
-              <a:t>Cardigan tofu hoodie</a:t>
-            </a:r>
-          </a:p>
-          <a:p>
-            <a:r>
-              <a:rPr lang="en-US" dirty="0"/>
-              <a:t>Health goth literally chartreuse</a:t>
-            </a:r>
-          </a:p>
-          <a:p>
-            <a:r>
-              <a:rPr lang="en-US" dirty="0"/>
-              <a:t>Fixie hashtag hexagon</a:t>
-            </a:r>
-          </a:p>
-          <a:p>
-            <a:r>
-              <a:rPr lang="en-US" dirty="0"/>
-              <a:t>Humblebrag heirloom</a:t>
-            </a:r>
-          </a:p>
-          <a:p>
-            <a:pPr lvl="1"/>
-            <a:r>
-              <a:rPr lang="en-US" dirty="0"/>
-              <a:t>Fashion axe </a:t>
-            </a:r>
-            <a:r>
-              <a:rPr lang="en-US" dirty="0" err="1"/>
-              <a:t>chicharrones</a:t>
-            </a:r>
+            <a:pPr marL="0" indent="0">
+              <a:buNone/>
+            </a:pPr>
+            <a:r>
+              <a:rPr lang="en-US" dirty="0">
+                <a:latin typeface="Fira sans" panose="020B0503050000020004" pitchFamily="34" charset="0"/>
+              </a:rPr>
+              <a:t>Global stability problems such as low-frequency network oscillation at the network level can be countered using proper coordination of these controllers.</a:t>
+            </a:r>
+          </a:p>
+          <a:p>
+            <a:pPr marL="0" indent="0">
+              <a:buNone/>
+            </a:pPr>
             <a:endParaRPr lang="en-US" dirty="0"/>
+          </a:p>
+          <a:p>
+            <a:pPr marL="0" indent="0">
+              <a:buNone/>
+            </a:pPr>
+            <a:r>
+              <a:rPr lang="en-US" dirty="0">
+                <a:latin typeface="Fira sans" panose="020B0503050000020004" pitchFamily="34" charset="0"/>
+              </a:rPr>
+              <a:t>However, most controllers are designed and tuned:</a:t>
+            </a:r>
+          </a:p>
+          <a:p>
+            <a:pPr marL="514350" indent="-514350">
+              <a:buAutoNum type="arabicPeriod"/>
+            </a:pPr>
+            <a:r>
+              <a:rPr lang="en-US" dirty="0">
+                <a:latin typeface="Fira sans" panose="020B0503050000020004" pitchFamily="34" charset="0"/>
+              </a:rPr>
+              <a:t>Independently of each other.</a:t>
+            </a:r>
+          </a:p>
+          <a:p>
+            <a:pPr marL="514350" indent="-514350">
+              <a:buAutoNum type="arabicPeriod"/>
+            </a:pPr>
+            <a:r>
+              <a:rPr lang="en-US" dirty="0">
+                <a:latin typeface="Fira sans" panose="020B0503050000020004" pitchFamily="34" charset="0"/>
+              </a:rPr>
+              <a:t>Relying on having accurate system models</a:t>
+            </a:r>
           </a:p>
         </p:txBody>
       </p:sp>
@@ -4712,15 +4532,10 @@
           <a:lstStyle/>
           <a:p>
             <a:r>
-              <a:rPr lang="en-US" dirty="0"/>
-              <a:t>LOCA VORE CARDIGAN </a:t>
-            </a:r>
-            <a:br>
-              <a:rPr lang="en-US" dirty="0"/>
-            </a:br>
-            <a:r>
-              <a:rPr lang="en-US" dirty="0"/>
-              <a:t>JEAN SHORTS </a:t>
+              <a:rPr lang="en-US" dirty="0">
+                <a:latin typeface="Sitka Banner" pitchFamily="2" charset="0"/>
+              </a:rPr>
+              <a:t>Motivation</a:t>
             </a:r>
           </a:p>
         </p:txBody>
@@ -4741,6 +4556,14 @@
 <file path=ppt/slides/slide3.xml><?xml version="1.0" encoding="utf-8"?>
 <p:sld xmlns:a="http://schemas.openxmlformats.org/drawingml/2006/main" xmlns:r="http://schemas.openxmlformats.org/officeDocument/2006/relationships" xmlns:p="http://schemas.openxmlformats.org/presentationml/2006/main">
   <p:cSld>
+    <p:bg>
+      <p:bgPr>
+        <a:solidFill>
+          <a:schemeClr val="bg1"/>
+        </a:solidFill>
+        <a:effectLst/>
+      </p:bgPr>
+    </p:bg>
     <p:spTree>
       <p:nvGrpSpPr>
         <p:cNvPr id="1" name=""/>
@@ -4757,35 +4580,64 @@
       </p:grpSpPr>
       <p:sp>
         <p:nvSpPr>
-          <p:cNvPr id="3" name="Text Placeholder 2">
+          <p:cNvPr id="69" name="Flowchart: Document 53">
             <a:extLst>
               <a:ext uri="{FF2B5EF4-FFF2-40B4-BE49-F238E27FC236}">
-                <a16:creationId xmlns:a16="http://schemas.microsoft.com/office/drawing/2014/main" id="{799C5043-70C7-42B6-BC83-DD09FFA9C12A}"/>
+                <a16:creationId xmlns:a16="http://schemas.microsoft.com/office/drawing/2014/main" id="{D12DDE76-C203-4047-9998-63900085B5E8}"/>
+              </a:ext>
+              <a:ext uri="{C183D7F6-B498-43B3-948B-1728B52AA6E4}">
+                <adec:decorative xmlns:adec="http://schemas.microsoft.com/office/drawing/2017/decorative" val="1"/>
               </a:ext>
             </a:extLst>
           </p:cNvPr>
           <p:cNvSpPr>
-            <a:spLocks noGrp="1"/>
+            <a:spLocks noGrp="1" noRot="1" noChangeAspect="1" noMove="1" noResize="1" noEditPoints="1" noAdjustHandles="1" noChangeArrowheads="1" noChangeShapeType="1" noTextEdit="1"/>
           </p:cNvSpPr>
           <p:nvPr>
-            <p:ph type="body" idx="1"/>
+            <p:extLst>
+              <p:ext uri="{386F3935-93C4-4BCD-93E2-E3B085C9AB24}">
+                <p16:designElem xmlns:p16="http://schemas.microsoft.com/office/powerpoint/2015/main" val="1"/>
+              </p:ext>
+            </p:extLst>
           </p:nvPr>
         </p:nvSpPr>
         <p:spPr>
           <a:xfrm>
-            <a:off x="1781174" y="3429000"/>
-            <a:ext cx="9348788" cy="1543050"/>
-          </a:xfrm>
-        </p:spPr>
-        <p:txBody>
-          <a:bodyPr/>
+            <a:off x="638175" y="0"/>
+            <a:ext cx="3248025" cy="3400426"/>
+          </a:xfrm>
+          <a:prstGeom prst="flowChartDocument">
+            <a:avLst/>
+          </a:prstGeom>
+          <a:solidFill>
+            <a:schemeClr val="accent1"/>
+          </a:solidFill>
+          <a:ln>
+            <a:noFill/>
+          </a:ln>
+        </p:spPr>
+        <p:style>
+          <a:lnRef idx="2">
+            <a:schemeClr val="accent1">
+              <a:shade val="50000"/>
+            </a:schemeClr>
+          </a:lnRef>
+          <a:fillRef idx="1">
+            <a:schemeClr val="accent1"/>
+          </a:fillRef>
+          <a:effectRef idx="0">
+            <a:schemeClr val="accent1"/>
+          </a:effectRef>
+          <a:fontRef idx="minor">
+            <a:schemeClr val="lt1"/>
+          </a:fontRef>
+        </p:style>
+        <p:txBody>
+          <a:bodyPr rtlCol="0" anchor="ctr"/>
           <a:lstStyle/>
           <a:p>
-            <a:r>
-              <a:rPr lang="en-US"/>
-              <a:t>Pour-over kinfolk </a:t>
-            </a:r>
-            <a:endParaRPr lang="en-US" dirty="0"/>
+            <a:pPr algn="ctr"/>
+            <a:endParaRPr lang="en-US"/>
           </a:p>
         </p:txBody>
       </p:sp>
@@ -4807,19 +4659,188 @@
         </p:nvSpPr>
         <p:spPr>
           <a:xfrm>
-            <a:off x="1781174" y="1104900"/>
-            <a:ext cx="9348789" cy="1697120"/>
-          </a:xfrm>
-        </p:spPr>
-        <p:txBody>
-          <a:bodyPr/>
+            <a:off x="838200" y="171162"/>
+            <a:ext cx="2840182" cy="2371148"/>
+          </a:xfrm>
+          <a:ln>
+            <a:solidFill>
+              <a:schemeClr val="accent3">
+                <a:lumMod val="60000"/>
+                <a:lumOff val="40000"/>
+              </a:schemeClr>
+            </a:solidFill>
+          </a:ln>
+        </p:spPr>
+        <p:txBody>
+          <a:bodyPr vert="horz" lIns="91440" tIns="45720" rIns="91440" bIns="45720" rtlCol="0" anchor="ctr">
+            <a:normAutofit/>
+          </a:bodyPr>
           <a:lstStyle/>
           <a:p>
-            <a:r>
-              <a:rPr lang="en-US"/>
-              <a:t>FASHION AXE VHS COLORING BOOK</a:t>
-            </a:r>
-            <a:endParaRPr lang="en-US" dirty="0"/>
+            <a:pPr algn="l"/>
+            <a:r>
+              <a:rPr lang="en-US" sz="3200" kern="1200" dirty="0">
+                <a:solidFill>
+                  <a:srgbClr val="FFFFFF"/>
+                </a:solidFill>
+                <a:latin typeface="Sitka Banner" pitchFamily="2" charset="0"/>
+              </a:rPr>
+              <a:t>Approximate Dynamic Programming (ADP)</a:t>
+            </a:r>
+          </a:p>
+        </p:txBody>
+      </p:sp>
+      <p:grpSp>
+        <p:nvGrpSpPr>
+          <p:cNvPr id="9" name="Group 8">
+            <a:extLst>
+              <a:ext uri="{FF2B5EF4-FFF2-40B4-BE49-F238E27FC236}">
+                <a16:creationId xmlns:a16="http://schemas.microsoft.com/office/drawing/2014/main" id="{C875F3E7-A683-44EE-5B84-034320DDDE9A}"/>
+              </a:ext>
+            </a:extLst>
+          </p:cNvPr>
+          <p:cNvGrpSpPr/>
+          <p:nvPr/>
+        </p:nvGrpSpPr>
+        <p:grpSpPr>
+          <a:xfrm>
+            <a:off x="4206287" y="171162"/>
+            <a:ext cx="7347537" cy="4364997"/>
+            <a:chOff x="4206287" y="171162"/>
+            <a:chExt cx="7347537" cy="4364997"/>
+          </a:xfrm>
+        </p:grpSpPr>
+        <p:pic>
+          <p:nvPicPr>
+            <p:cNvPr id="5" name="Picture 4" descr="Schematic for Implementation of Direct Heuristic Dynamic Programming (HDP).">
+              <a:extLst>
+                <a:ext uri="{FF2B5EF4-FFF2-40B4-BE49-F238E27FC236}">
+                  <a16:creationId xmlns:a16="http://schemas.microsoft.com/office/drawing/2014/main" id="{0C93E78C-896B-FF89-00BE-FD16481DC8AE}"/>
+                </a:ext>
+              </a:extLst>
+            </p:cNvPr>
+            <p:cNvPicPr>
+              <a:picLocks noChangeAspect="1"/>
+            </p:cNvPicPr>
+            <p:nvPr/>
+          </p:nvPicPr>
+          <p:blipFill>
+            <a:blip r:embed="rId2"/>
+            <a:stretch>
+              <a:fillRect/>
+            </a:stretch>
+          </p:blipFill>
+          <p:spPr>
+            <a:xfrm>
+              <a:off x="4206287" y="171162"/>
+              <a:ext cx="7347537" cy="3783980"/>
+            </a:xfrm>
+            <a:prstGeom prst="rect">
+              <a:avLst/>
+            </a:prstGeom>
+          </p:spPr>
+        </p:pic>
+        <p:sp>
+          <p:nvSpPr>
+            <p:cNvPr id="7" name="TextBox 6">
+              <a:extLst>
+                <a:ext uri="{FF2B5EF4-FFF2-40B4-BE49-F238E27FC236}">
+                  <a16:creationId xmlns:a16="http://schemas.microsoft.com/office/drawing/2014/main" id="{84E56E5A-38A6-49BF-2DAA-425F17EFCC16}"/>
+                </a:ext>
+              </a:extLst>
+            </p:cNvPr>
+            <p:cNvSpPr txBox="1"/>
+            <p:nvPr/>
+          </p:nvSpPr>
+          <p:spPr>
+            <a:xfrm>
+              <a:off x="4572000" y="3889828"/>
+              <a:ext cx="6741886" cy="646331"/>
+            </a:xfrm>
+            <a:prstGeom prst="rect">
+              <a:avLst/>
+            </a:prstGeom>
+            <a:solidFill>
+              <a:schemeClr val="bg1">
+                <a:lumMod val="85000"/>
+              </a:schemeClr>
+            </a:solidFill>
+          </p:spPr>
+          <p:txBody>
+            <a:bodyPr wrap="square" rtlCol="0">
+              <a:spAutoFit/>
+            </a:bodyPr>
+            <a:lstStyle/>
+            <a:p>
+              <a:r>
+                <a:rPr lang="en-IN" dirty="0"/>
+                <a:t>Schematic for implementation of Direct Heuristic Dynamic Programming (HDP).</a:t>
+              </a:r>
+            </a:p>
+          </p:txBody>
+        </p:sp>
+      </p:grpSp>
+      <p:sp>
+        <p:nvSpPr>
+          <p:cNvPr id="8" name="TextBox 7">
+            <a:extLst>
+              <a:ext uri="{FF2B5EF4-FFF2-40B4-BE49-F238E27FC236}">
+                <a16:creationId xmlns:a16="http://schemas.microsoft.com/office/drawing/2014/main" id="{53D5FF58-E462-45E1-C4A6-63E019015A67}"/>
+              </a:ext>
+            </a:extLst>
+          </p:cNvPr>
+          <p:cNvSpPr txBox="1"/>
+          <p:nvPr/>
+        </p:nvSpPr>
+        <p:spPr>
+          <a:xfrm>
+            <a:off x="1458685" y="4891315"/>
+            <a:ext cx="10095139" cy="1323439"/>
+          </a:xfrm>
+          <a:prstGeom prst="rect">
+            <a:avLst/>
+          </a:prstGeom>
+          <a:solidFill>
+            <a:schemeClr val="accent5">
+              <a:lumMod val="20000"/>
+              <a:lumOff val="80000"/>
+            </a:schemeClr>
+          </a:solidFill>
+        </p:spPr>
+        <p:txBody>
+          <a:bodyPr wrap="square" rtlCol="0">
+            <a:spAutoFit/>
+          </a:bodyPr>
+          <a:lstStyle/>
+          <a:p>
+            <a:pPr marL="285750" indent="-285750">
+              <a:buFontTx/>
+              <a:buChar char="-"/>
+            </a:pPr>
+            <a:r>
+              <a:rPr lang="en-IN" sz="2000" dirty="0"/>
+              <a:t>Model Independent.</a:t>
+            </a:r>
+          </a:p>
+          <a:p>
+            <a:pPr marL="285750" indent="-285750">
+              <a:buFontTx/>
+              <a:buChar char="-"/>
+            </a:pPr>
+            <a:r>
+              <a:rPr lang="en-IN" sz="2000" dirty="0"/>
+              <a:t>Complex, Continuous State/Control MIMO Non-Linear System with Uncertainty.</a:t>
+            </a:r>
+          </a:p>
+          <a:p>
+            <a:pPr marL="285750" indent="-285750">
+              <a:buFontTx/>
+              <a:buChar char="-"/>
+            </a:pPr>
+            <a:r>
+              <a:rPr lang="en-IN" sz="2000" dirty="0"/>
+              <a:t>Good for Low Frequency Oscillation Problem because swing period long enough to provide sufficient time for controller to learn and adapt.</a:t>
+            </a:r>
           </a:p>
         </p:txBody>
       </p:sp>
@@ -4827,825 +4848,6 @@
     <p:extLst>
       <p:ext uri="{BB962C8B-B14F-4D97-AF65-F5344CB8AC3E}">
         <p14:creationId xmlns:p14="http://schemas.microsoft.com/office/powerpoint/2010/main" val="3573548137"/>
-      </p:ext>
-    </p:extLst>
-  </p:cSld>
-  <p:clrMapOvr>
-    <a:masterClrMapping/>
-  </p:clrMapOvr>
-</p:sld>
-</file>
-
-<file path=ppt/slides/slide4.xml><?xml version="1.0" encoding="utf-8"?>
-<p:sld xmlns:a="http://schemas.openxmlformats.org/drawingml/2006/main" xmlns:r="http://schemas.openxmlformats.org/officeDocument/2006/relationships" xmlns:p="http://schemas.openxmlformats.org/presentationml/2006/main">
-  <p:cSld>
-    <p:spTree>
-      <p:nvGrpSpPr>
-        <p:cNvPr id="1" name=""/>
-        <p:cNvGrpSpPr/>
-        <p:nvPr/>
-      </p:nvGrpSpPr>
-      <p:grpSpPr>
-        <a:xfrm>
-          <a:off x="0" y="0"/>
-          <a:ext cx="0" cy="0"/>
-          <a:chOff x="0" y="0"/>
-          <a:chExt cx="0" cy="0"/>
-        </a:xfrm>
-      </p:grpSpPr>
-      <p:sp>
-        <p:nvSpPr>
-          <p:cNvPr id="5" name="Content Placeholder 4">
-            <a:extLst>
-              <a:ext uri="{FF2B5EF4-FFF2-40B4-BE49-F238E27FC236}">
-                <a16:creationId xmlns:a16="http://schemas.microsoft.com/office/drawing/2014/main" id="{CAF4E33B-142F-4A0B-86CF-9E36E699BF1B}"/>
-              </a:ext>
-            </a:extLst>
-          </p:cNvPr>
-          <p:cNvSpPr>
-            <a:spLocks noGrp="1"/>
-          </p:cNvSpPr>
-          <p:nvPr>
-            <p:ph sz="half" idx="1"/>
-          </p:nvPr>
-        </p:nvSpPr>
-        <p:spPr>
-          <a:xfrm>
-            <a:off x="1781175" y="2161522"/>
-            <a:ext cx="4589480" cy="4276855"/>
-          </a:xfrm>
-        </p:spPr>
-        <p:txBody>
-          <a:bodyPr/>
-          <a:lstStyle/>
-          <a:p>
-            <a:r>
-              <a:rPr lang="en-US" dirty="0"/>
-              <a:t>Bespoke </a:t>
-            </a:r>
-            <a:r>
-              <a:rPr lang="en-US" dirty="0" err="1"/>
-              <a:t>pok</a:t>
-            </a:r>
-            <a:r>
-              <a:rPr lang="en-US" dirty="0"/>
-              <a:t> </a:t>
-            </a:r>
-            <a:r>
-              <a:rPr lang="en-US" dirty="0" err="1"/>
-              <a:t>pok</a:t>
-            </a:r>
-            <a:r>
-              <a:rPr lang="en-US" dirty="0"/>
-              <a:t> slow-carb </a:t>
-            </a:r>
-          </a:p>
-          <a:p>
-            <a:r>
-              <a:rPr lang="en-US" dirty="0"/>
-              <a:t>Man braid </a:t>
-            </a:r>
-            <a:r>
-              <a:rPr lang="en-US" dirty="0" err="1"/>
-              <a:t>truffaut</a:t>
-            </a:r>
-            <a:r>
-              <a:rPr lang="en-US" dirty="0"/>
-              <a:t> intelligentsia </a:t>
-            </a:r>
-          </a:p>
-          <a:p>
-            <a:r>
-              <a:rPr lang="en-US" dirty="0"/>
-              <a:t>Skateboard </a:t>
-            </a:r>
-          </a:p>
-          <a:p>
-            <a:r>
-              <a:rPr lang="en-US" dirty="0"/>
-              <a:t>Brooklyn synth chambray </a:t>
-            </a:r>
-          </a:p>
-          <a:p>
-            <a:r>
-              <a:rPr lang="en-US" dirty="0"/>
-              <a:t>Cold-pressed fam </a:t>
-            </a:r>
-            <a:r>
-              <a:rPr lang="en-US" dirty="0" err="1"/>
-              <a:t>stumptown</a:t>
-            </a:r>
-            <a:endParaRPr lang="en-US" dirty="0"/>
-          </a:p>
-        </p:txBody>
-      </p:sp>
-      <p:sp>
-        <p:nvSpPr>
-          <p:cNvPr id="6" name="Content Placeholder 5">
-            <a:extLst>
-              <a:ext uri="{FF2B5EF4-FFF2-40B4-BE49-F238E27FC236}">
-                <a16:creationId xmlns:a16="http://schemas.microsoft.com/office/drawing/2014/main" id="{8795B178-DDDF-494B-AC60-2D8C9442C519}"/>
-              </a:ext>
-            </a:extLst>
-          </p:cNvPr>
-          <p:cNvSpPr>
-            <a:spLocks noGrp="1"/>
-          </p:cNvSpPr>
-          <p:nvPr>
-            <p:ph sz="half" idx="2"/>
-          </p:nvPr>
-        </p:nvSpPr>
-        <p:spPr>
-          <a:xfrm>
-            <a:off x="6815136" y="2161522"/>
-            <a:ext cx="4931387" cy="4276855"/>
-          </a:xfrm>
-        </p:spPr>
-        <p:txBody>
-          <a:bodyPr/>
-          <a:lstStyle/>
-          <a:p>
-            <a:r>
-              <a:rPr lang="en-US" dirty="0"/>
-              <a:t>8-bit freegan </a:t>
-            </a:r>
-            <a:r>
-              <a:rPr lang="en-US" dirty="0" err="1"/>
-              <a:t>marfa</a:t>
-            </a:r>
-            <a:r>
-              <a:rPr lang="en-US" dirty="0"/>
-              <a:t> </a:t>
-            </a:r>
-          </a:p>
-          <a:p>
-            <a:r>
-              <a:rPr lang="en-US" dirty="0"/>
-              <a:t>Chartreuse</a:t>
-            </a:r>
-          </a:p>
-          <a:p>
-            <a:r>
-              <a:rPr lang="en-US" dirty="0"/>
-              <a:t>Helvetica fam </a:t>
-            </a:r>
-            <a:r>
-              <a:rPr lang="en-US" dirty="0" err="1"/>
-              <a:t>schlitz</a:t>
-            </a:r>
-            <a:r>
-              <a:rPr lang="en-US" dirty="0"/>
-              <a:t>, pickled </a:t>
-            </a:r>
-          </a:p>
-          <a:p>
-            <a:r>
-              <a:rPr lang="en-US" dirty="0"/>
-              <a:t>Letterpress vegan asymmetrical</a:t>
-            </a:r>
-          </a:p>
-        </p:txBody>
-      </p:sp>
-      <p:sp>
-        <p:nvSpPr>
-          <p:cNvPr id="4" name="Title 3">
-            <a:extLst>
-              <a:ext uri="{FF2B5EF4-FFF2-40B4-BE49-F238E27FC236}">
-                <a16:creationId xmlns:a16="http://schemas.microsoft.com/office/drawing/2014/main" id="{FDA6A128-D30D-4F0B-A064-09B6DC7A7F1B}"/>
-              </a:ext>
-            </a:extLst>
-          </p:cNvPr>
-          <p:cNvSpPr>
-            <a:spLocks noGrp="1"/>
-          </p:cNvSpPr>
-          <p:nvPr>
-            <p:ph type="title"/>
-          </p:nvPr>
-        </p:nvSpPr>
-        <p:spPr>
-          <a:xfrm>
-            <a:off x="1781174" y="355078"/>
-            <a:ext cx="9348789" cy="1185623"/>
-          </a:xfrm>
-        </p:spPr>
-        <p:txBody>
-          <a:bodyPr>
-            <a:normAutofit fontScale="90000"/>
-          </a:bodyPr>
-          <a:lstStyle/>
-          <a:p>
-            <a:r>
-              <a:rPr lang="en-US" dirty="0"/>
-              <a:t>BROUGHT GOOD ALSO ITSELF WINGED GREAT</a:t>
-            </a:r>
-          </a:p>
-        </p:txBody>
-      </p:sp>
-    </p:spTree>
-    <p:extLst>
-      <p:ext uri="{BB962C8B-B14F-4D97-AF65-F5344CB8AC3E}">
-        <p14:creationId xmlns:p14="http://schemas.microsoft.com/office/powerpoint/2010/main" val="1735641184"/>
-      </p:ext>
-    </p:extLst>
-  </p:cSld>
-  <p:clrMapOvr>
-    <a:masterClrMapping/>
-  </p:clrMapOvr>
-</p:sld>
-</file>
-
-<file path=ppt/slides/slide5.xml><?xml version="1.0" encoding="utf-8"?>
-<p:sld xmlns:a="http://schemas.openxmlformats.org/drawingml/2006/main" xmlns:r="http://schemas.openxmlformats.org/officeDocument/2006/relationships" xmlns:p="http://schemas.openxmlformats.org/presentationml/2006/main">
-  <p:cSld>
-    <p:spTree>
-      <p:nvGrpSpPr>
-        <p:cNvPr id="1" name=""/>
-        <p:cNvGrpSpPr/>
-        <p:nvPr/>
-      </p:nvGrpSpPr>
-      <p:grpSpPr>
-        <a:xfrm>
-          <a:off x="0" y="0"/>
-          <a:ext cx="0" cy="0"/>
-          <a:chOff x="0" y="0"/>
-          <a:chExt cx="0" cy="0"/>
-        </a:xfrm>
-      </p:grpSpPr>
-      <p:sp>
-        <p:nvSpPr>
-          <p:cNvPr id="2" name="Text Placeholder 1">
-            <a:extLst>
-              <a:ext uri="{FF2B5EF4-FFF2-40B4-BE49-F238E27FC236}">
-                <a16:creationId xmlns:a16="http://schemas.microsoft.com/office/drawing/2014/main" id="{09DF75FC-4792-41CB-958E-7EED40C8FDA9}"/>
-              </a:ext>
-            </a:extLst>
-          </p:cNvPr>
-          <p:cNvSpPr>
-            <a:spLocks noGrp="1"/>
-          </p:cNvSpPr>
-          <p:nvPr>
-            <p:ph type="body" idx="1"/>
-          </p:nvPr>
-        </p:nvSpPr>
-        <p:spPr>
-          <a:xfrm>
-            <a:off x="1781175" y="1923911"/>
-            <a:ext cx="4537075" cy="806904"/>
-          </a:xfrm>
-        </p:spPr>
-        <p:txBody>
-          <a:bodyPr/>
-          <a:lstStyle/>
-          <a:p>
-            <a:r>
-              <a:rPr lang="en-US" dirty="0"/>
-              <a:t>Pinterest fanny pack Stumptown activated charcoal</a:t>
-            </a:r>
-          </a:p>
-        </p:txBody>
-      </p:sp>
-      <p:sp>
-        <p:nvSpPr>
-          <p:cNvPr id="5" name="Content Placeholder 4">
-            <a:extLst>
-              <a:ext uri="{FF2B5EF4-FFF2-40B4-BE49-F238E27FC236}">
-                <a16:creationId xmlns:a16="http://schemas.microsoft.com/office/drawing/2014/main" id="{CAF4E33B-142F-4A0B-86CF-9E36E699BF1B}"/>
-              </a:ext>
-            </a:extLst>
-          </p:cNvPr>
-          <p:cNvSpPr>
-            <a:spLocks noGrp="1"/>
-          </p:cNvSpPr>
-          <p:nvPr>
-            <p:ph sz="half" idx="2"/>
-          </p:nvPr>
-        </p:nvSpPr>
-        <p:spPr>
-          <a:xfrm>
-            <a:off x="1781175" y="2944164"/>
-            <a:ext cx="4537075" cy="3649357"/>
-          </a:xfrm>
-        </p:spPr>
-        <p:txBody>
-          <a:bodyPr/>
-          <a:lstStyle/>
-          <a:p>
-            <a:r>
-              <a:rPr lang="en-US" dirty="0"/>
-              <a:t>Bespoke </a:t>
-            </a:r>
-            <a:r>
-              <a:rPr lang="en-US" dirty="0" err="1"/>
-              <a:t>pok</a:t>
-            </a:r>
-            <a:r>
-              <a:rPr lang="en-US" dirty="0"/>
-              <a:t> </a:t>
-            </a:r>
-            <a:r>
-              <a:rPr lang="en-US" dirty="0" err="1"/>
-              <a:t>pok</a:t>
-            </a:r>
-            <a:r>
-              <a:rPr lang="en-US" dirty="0"/>
-              <a:t> slow-carb </a:t>
-            </a:r>
-          </a:p>
-          <a:p>
-            <a:r>
-              <a:rPr lang="en-US" dirty="0"/>
-              <a:t>Man braid </a:t>
-            </a:r>
-            <a:r>
-              <a:rPr lang="en-US" dirty="0" err="1"/>
-              <a:t>truffaut</a:t>
-            </a:r>
-            <a:r>
-              <a:rPr lang="en-US" dirty="0"/>
-              <a:t> intelligentsia </a:t>
-            </a:r>
-          </a:p>
-          <a:p>
-            <a:r>
-              <a:rPr lang="en-US" dirty="0"/>
-              <a:t>Skateboard </a:t>
-            </a:r>
-          </a:p>
-          <a:p>
-            <a:r>
-              <a:rPr lang="en-US" dirty="0"/>
-              <a:t>Brooklyn synth chambray </a:t>
-            </a:r>
-          </a:p>
-          <a:p>
-            <a:r>
-              <a:rPr lang="en-US" dirty="0"/>
-              <a:t>Cold-pressed fam </a:t>
-            </a:r>
-            <a:r>
-              <a:rPr lang="en-US" dirty="0" err="1"/>
-              <a:t>stumptown</a:t>
-            </a:r>
-            <a:endParaRPr lang="en-US" dirty="0"/>
-          </a:p>
-        </p:txBody>
-      </p:sp>
-      <p:sp>
-        <p:nvSpPr>
-          <p:cNvPr id="3" name="Text Placeholder 2">
-            <a:extLst>
-              <a:ext uri="{FF2B5EF4-FFF2-40B4-BE49-F238E27FC236}">
-                <a16:creationId xmlns:a16="http://schemas.microsoft.com/office/drawing/2014/main" id="{2DDC3E97-760B-4CC1-BFE6-47DC7453C8BE}"/>
-              </a:ext>
-            </a:extLst>
-          </p:cNvPr>
-          <p:cNvSpPr>
-            <a:spLocks noGrp="1"/>
-          </p:cNvSpPr>
-          <p:nvPr>
-            <p:ph type="body" sz="quarter" idx="3"/>
-          </p:nvPr>
-        </p:nvSpPr>
-        <p:spPr>
-          <a:xfrm>
-            <a:off x="6815138" y="1913026"/>
-            <a:ext cx="4561114" cy="817789"/>
-          </a:xfrm>
-        </p:spPr>
-        <p:txBody>
-          <a:bodyPr/>
-          <a:lstStyle/>
-          <a:p>
-            <a:r>
-              <a:rPr lang="en-US" dirty="0"/>
-              <a:t>Locavore cardigan jean shorts asymmetrical </a:t>
-            </a:r>
-          </a:p>
-        </p:txBody>
-      </p:sp>
-      <p:sp>
-        <p:nvSpPr>
-          <p:cNvPr id="6" name="Content Placeholder 5">
-            <a:extLst>
-              <a:ext uri="{FF2B5EF4-FFF2-40B4-BE49-F238E27FC236}">
-                <a16:creationId xmlns:a16="http://schemas.microsoft.com/office/drawing/2014/main" id="{8795B178-DDDF-494B-AC60-2D8C9442C519}"/>
-              </a:ext>
-            </a:extLst>
-          </p:cNvPr>
-          <p:cNvSpPr>
-            <a:spLocks noGrp="1"/>
-          </p:cNvSpPr>
-          <p:nvPr>
-            <p:ph sz="quarter" idx="4"/>
-          </p:nvPr>
-        </p:nvSpPr>
-        <p:spPr>
-          <a:xfrm>
-            <a:off x="6815138" y="2945001"/>
-            <a:ext cx="4535424" cy="3681539"/>
-          </a:xfrm>
-        </p:spPr>
-        <p:txBody>
-          <a:bodyPr/>
-          <a:lstStyle/>
-          <a:p>
-            <a:r>
-              <a:rPr lang="en-US" dirty="0"/>
-              <a:t>8-bit freegan </a:t>
-            </a:r>
-            <a:r>
-              <a:rPr lang="en-US" dirty="0" err="1"/>
-              <a:t>marfa</a:t>
-            </a:r>
-            <a:r>
-              <a:rPr lang="en-US" dirty="0"/>
-              <a:t> </a:t>
-            </a:r>
-          </a:p>
-          <a:p>
-            <a:r>
-              <a:rPr lang="en-US" dirty="0"/>
-              <a:t>Chartreuse</a:t>
-            </a:r>
-          </a:p>
-          <a:p>
-            <a:r>
-              <a:rPr lang="en-US" dirty="0"/>
-              <a:t>Helvetica fam </a:t>
-            </a:r>
-            <a:r>
-              <a:rPr lang="en-US" dirty="0" err="1"/>
-              <a:t>schlitz</a:t>
-            </a:r>
-            <a:r>
-              <a:rPr lang="en-US" dirty="0"/>
-              <a:t>, pickled </a:t>
-            </a:r>
-          </a:p>
-          <a:p>
-            <a:r>
-              <a:rPr lang="en-US" dirty="0"/>
-              <a:t>Letterpress vegan asymmetrical</a:t>
-            </a:r>
-          </a:p>
-        </p:txBody>
-      </p:sp>
-      <p:sp>
-        <p:nvSpPr>
-          <p:cNvPr id="4" name="Title 3">
-            <a:extLst>
-              <a:ext uri="{FF2B5EF4-FFF2-40B4-BE49-F238E27FC236}">
-                <a16:creationId xmlns:a16="http://schemas.microsoft.com/office/drawing/2014/main" id="{FDA6A128-D30D-4F0B-A064-09B6DC7A7F1B}"/>
-              </a:ext>
-            </a:extLst>
-          </p:cNvPr>
-          <p:cNvSpPr>
-            <a:spLocks noGrp="1"/>
-          </p:cNvSpPr>
-          <p:nvPr>
-            <p:ph type="title"/>
-          </p:nvPr>
-        </p:nvSpPr>
-        <p:spPr>
-          <a:xfrm>
-            <a:off x="1781174" y="355078"/>
-            <a:ext cx="9348789" cy="1198149"/>
-          </a:xfrm>
-        </p:spPr>
-        <p:txBody>
-          <a:bodyPr>
-            <a:normAutofit fontScale="90000"/>
-          </a:bodyPr>
-          <a:lstStyle/>
-          <a:p>
-            <a:r>
-              <a:rPr lang="en-US" dirty="0"/>
-              <a:t>BROUGHT GOOD ALSO ITSELF WINGED GREAT</a:t>
-            </a:r>
-          </a:p>
-        </p:txBody>
-      </p:sp>
-    </p:spTree>
-    <p:extLst>
-      <p:ext uri="{BB962C8B-B14F-4D97-AF65-F5344CB8AC3E}">
-        <p14:creationId xmlns:p14="http://schemas.microsoft.com/office/powerpoint/2010/main" val="2189263917"/>
-      </p:ext>
-    </p:extLst>
-  </p:cSld>
-  <p:clrMapOvr>
-    <a:masterClrMapping/>
-  </p:clrMapOvr>
-</p:sld>
-</file>
-
-<file path=ppt/slides/slide6.xml><?xml version="1.0" encoding="utf-8"?>
-<p:sld xmlns:a="http://schemas.openxmlformats.org/drawingml/2006/main" xmlns:r="http://schemas.openxmlformats.org/officeDocument/2006/relationships" xmlns:p="http://schemas.openxmlformats.org/presentationml/2006/main">
-  <p:cSld>
-    <p:spTree>
-      <p:nvGrpSpPr>
-        <p:cNvPr id="1" name=""/>
-        <p:cNvGrpSpPr/>
-        <p:nvPr/>
-      </p:nvGrpSpPr>
-      <p:grpSpPr>
-        <a:xfrm>
-          <a:off x="0" y="0"/>
-          <a:ext cx="0" cy="0"/>
-          <a:chOff x="0" y="0"/>
-          <a:chExt cx="0" cy="0"/>
-        </a:xfrm>
-      </p:grpSpPr>
-      <p:sp>
-        <p:nvSpPr>
-          <p:cNvPr id="2" name="Title 1">
-            <a:extLst>
-              <a:ext uri="{FF2B5EF4-FFF2-40B4-BE49-F238E27FC236}">
-                <a16:creationId xmlns:a16="http://schemas.microsoft.com/office/drawing/2014/main" id="{A3921E37-22FC-4845-87EE-5CDDC7718273}"/>
-              </a:ext>
-            </a:extLst>
-          </p:cNvPr>
-          <p:cNvSpPr>
-            <a:spLocks noGrp="1"/>
-          </p:cNvSpPr>
-          <p:nvPr>
-            <p:ph type="title"/>
-          </p:nvPr>
-        </p:nvSpPr>
-        <p:spPr>
-          <a:xfrm>
-            <a:off x="1781174" y="355078"/>
-            <a:ext cx="9348789" cy="1173471"/>
-          </a:xfrm>
-        </p:spPr>
-        <p:txBody>
-          <a:bodyPr/>
-          <a:lstStyle/>
-          <a:p>
-            <a:r>
-              <a:rPr lang="en-US" dirty="0"/>
-              <a:t>TUMERIC BIODIESEL ENNUI </a:t>
-            </a:r>
-          </a:p>
-        </p:txBody>
-      </p:sp>
-    </p:spTree>
-    <p:extLst>
-      <p:ext uri="{BB962C8B-B14F-4D97-AF65-F5344CB8AC3E}">
-        <p14:creationId xmlns:p14="http://schemas.microsoft.com/office/powerpoint/2010/main" val="558608459"/>
-      </p:ext>
-    </p:extLst>
-  </p:cSld>
-  <p:clrMapOvr>
-    <a:masterClrMapping/>
-  </p:clrMapOvr>
-</p:sld>
-</file>
-
-<file path=ppt/slides/slide7.xml><?xml version="1.0" encoding="utf-8"?>
-<p:sld xmlns:a="http://schemas.openxmlformats.org/drawingml/2006/main" xmlns:r="http://schemas.openxmlformats.org/officeDocument/2006/relationships" xmlns:p="http://schemas.openxmlformats.org/presentationml/2006/main">
-  <p:cSld>
-    <p:spTree>
-      <p:nvGrpSpPr>
-        <p:cNvPr id="1" name=""/>
-        <p:cNvGrpSpPr/>
-        <p:nvPr/>
-      </p:nvGrpSpPr>
-      <p:grpSpPr>
-        <a:xfrm>
-          <a:off x="0" y="0"/>
-          <a:ext cx="0" cy="0"/>
-          <a:chOff x="0" y="0"/>
-          <a:chExt cx="0" cy="0"/>
-        </a:xfrm>
-      </p:grpSpPr>
-    </p:spTree>
-    <p:extLst>
-      <p:ext uri="{BB962C8B-B14F-4D97-AF65-F5344CB8AC3E}">
-        <p14:creationId xmlns:p14="http://schemas.microsoft.com/office/powerpoint/2010/main" val="1059548903"/>
-      </p:ext>
-    </p:extLst>
-  </p:cSld>
-  <p:clrMapOvr>
-    <a:masterClrMapping/>
-  </p:clrMapOvr>
-</p:sld>
-</file>
-
-<file path=ppt/slides/slide8.xml><?xml version="1.0" encoding="utf-8"?>
-<p:sld xmlns:a="http://schemas.openxmlformats.org/drawingml/2006/main" xmlns:r="http://schemas.openxmlformats.org/officeDocument/2006/relationships" xmlns:p="http://schemas.openxmlformats.org/presentationml/2006/main">
-  <p:cSld>
-    <p:spTree>
-      <p:nvGrpSpPr>
-        <p:cNvPr id="1" name=""/>
-        <p:cNvGrpSpPr/>
-        <p:nvPr/>
-      </p:nvGrpSpPr>
-      <p:grpSpPr>
-        <a:xfrm>
-          <a:off x="0" y="0"/>
-          <a:ext cx="0" cy="0"/>
-          <a:chOff x="0" y="0"/>
-          <a:chExt cx="0" cy="0"/>
-        </a:xfrm>
-      </p:grpSpPr>
-      <p:sp>
-        <p:nvSpPr>
-          <p:cNvPr id="3" name="Title 2">
-            <a:extLst>
-              <a:ext uri="{FF2B5EF4-FFF2-40B4-BE49-F238E27FC236}">
-                <a16:creationId xmlns:a16="http://schemas.microsoft.com/office/drawing/2014/main" id="{3CBE6577-E72F-4D95-91CF-D5BE94921AED}"/>
-              </a:ext>
-            </a:extLst>
-          </p:cNvPr>
-          <p:cNvSpPr>
-            <a:spLocks noGrp="1"/>
-          </p:cNvSpPr>
-          <p:nvPr>
-            <p:ph type="title"/>
-          </p:nvPr>
-        </p:nvSpPr>
-        <p:spPr>
-          <a:xfrm>
-            <a:off x="1781174" y="818540"/>
-            <a:ext cx="7171757" cy="1272756"/>
-          </a:xfrm>
-        </p:spPr>
-        <p:txBody>
-          <a:bodyPr/>
-          <a:lstStyle/>
-          <a:p>
-            <a:r>
-              <a:rPr lang="en-US" dirty="0"/>
-              <a:t>LOCA VORE CARDIGAN </a:t>
-            </a:r>
-            <a:br>
-              <a:rPr lang="en-US" dirty="0"/>
-            </a:br>
-            <a:r>
-              <a:rPr lang="en-US" dirty="0"/>
-              <a:t>JEAN SHORTS </a:t>
-            </a:r>
-          </a:p>
-        </p:txBody>
-      </p:sp>
-      <p:sp>
-        <p:nvSpPr>
-          <p:cNvPr id="4" name="Text Placeholder 3">
-            <a:extLst>
-              <a:ext uri="{FF2B5EF4-FFF2-40B4-BE49-F238E27FC236}">
-                <a16:creationId xmlns:a16="http://schemas.microsoft.com/office/drawing/2014/main" id="{7721AD91-1D4A-408D-8089-161600AECD90}"/>
-              </a:ext>
-            </a:extLst>
-          </p:cNvPr>
-          <p:cNvSpPr>
-            <a:spLocks noGrp="1"/>
-          </p:cNvSpPr>
-          <p:nvPr>
-            <p:ph type="body" sz="quarter" idx="13"/>
-          </p:nvPr>
-        </p:nvSpPr>
-        <p:spPr>
-          <a:xfrm>
-            <a:off x="1781174" y="3018774"/>
-            <a:ext cx="4872973" cy="3118414"/>
-          </a:xfrm>
-        </p:spPr>
-        <p:txBody>
-          <a:bodyPr/>
-          <a:lstStyle/>
-          <a:p>
-            <a:r>
-              <a:rPr lang="en-US" dirty="0"/>
-              <a:t>Banh mi polaroid church-key skateboard gastropub, hell of you probably haven't heard of them cardigan tofu hoodie. Health goth literally chartreuse, fixie hashtag hexagon humblebrag heirloom fashion axe </a:t>
-            </a:r>
-            <a:r>
-              <a:rPr lang="en-US" dirty="0" err="1"/>
-              <a:t>chicharrones</a:t>
-            </a:r>
-            <a:r>
-              <a:rPr lang="en-US" dirty="0"/>
-              <a:t>.</a:t>
-            </a:r>
-          </a:p>
-        </p:txBody>
-      </p:sp>
-    </p:spTree>
-    <p:extLst>
-      <p:ext uri="{BB962C8B-B14F-4D97-AF65-F5344CB8AC3E}">
-        <p14:creationId xmlns:p14="http://schemas.microsoft.com/office/powerpoint/2010/main" val="3208359678"/>
-      </p:ext>
-    </p:extLst>
-  </p:cSld>
-  <p:clrMapOvr>
-    <a:masterClrMapping/>
-  </p:clrMapOvr>
-</p:sld>
-</file>
-
-<file path=ppt/slides/slide9.xml><?xml version="1.0" encoding="utf-8"?>
-<p:sld xmlns:a="http://schemas.openxmlformats.org/drawingml/2006/main" xmlns:r="http://schemas.openxmlformats.org/officeDocument/2006/relationships" xmlns:p="http://schemas.openxmlformats.org/presentationml/2006/main">
-  <p:cSld>
-    <p:spTree>
-      <p:nvGrpSpPr>
-        <p:cNvPr id="1" name=""/>
-        <p:cNvGrpSpPr/>
-        <p:nvPr/>
-      </p:nvGrpSpPr>
-      <p:grpSpPr>
-        <a:xfrm>
-          <a:off x="0" y="0"/>
-          <a:ext cx="0" cy="0"/>
-          <a:chOff x="0" y="0"/>
-          <a:chExt cx="0" cy="0"/>
-        </a:xfrm>
-      </p:grpSpPr>
-      <p:sp>
-        <p:nvSpPr>
-          <p:cNvPr id="3" name="Title 2">
-            <a:extLst>
-              <a:ext uri="{FF2B5EF4-FFF2-40B4-BE49-F238E27FC236}">
-                <a16:creationId xmlns:a16="http://schemas.microsoft.com/office/drawing/2014/main" id="{3CBE6577-E72F-4D95-91CF-D5BE94921AED}"/>
-              </a:ext>
-            </a:extLst>
-          </p:cNvPr>
-          <p:cNvSpPr>
-            <a:spLocks noGrp="1"/>
-          </p:cNvSpPr>
-          <p:nvPr>
-            <p:ph type="title"/>
-          </p:nvPr>
-        </p:nvSpPr>
-        <p:spPr>
-          <a:xfrm>
-            <a:off x="1504950" y="626082"/>
-            <a:ext cx="5400817" cy="1828193"/>
-          </a:xfrm>
-        </p:spPr>
-        <p:txBody>
-          <a:bodyPr/>
-          <a:lstStyle/>
-          <a:p>
-            <a:r>
-              <a:rPr lang="en-US"/>
-              <a:t>TATTOOED SCENE STER A TUMERIC</a:t>
-            </a:r>
-            <a:br>
-              <a:rPr lang="en-US"/>
-            </a:br>
-            <a:r>
-              <a:rPr lang="en-US"/>
-              <a:t>CRONUT</a:t>
-            </a:r>
-            <a:endParaRPr lang="en-US" dirty="0"/>
-          </a:p>
-        </p:txBody>
-      </p:sp>
-      <p:sp>
-        <p:nvSpPr>
-          <p:cNvPr id="4" name="Text Placeholder 3">
-            <a:extLst>
-              <a:ext uri="{FF2B5EF4-FFF2-40B4-BE49-F238E27FC236}">
-                <a16:creationId xmlns:a16="http://schemas.microsoft.com/office/drawing/2014/main" id="{7721AD91-1D4A-408D-8089-161600AECD90}"/>
-              </a:ext>
-            </a:extLst>
-          </p:cNvPr>
-          <p:cNvSpPr>
-            <a:spLocks noGrp="1"/>
-          </p:cNvSpPr>
-          <p:nvPr>
-            <p:ph type="body" sz="quarter" idx="13"/>
-          </p:nvPr>
-        </p:nvSpPr>
-        <p:spPr>
-          <a:xfrm>
-            <a:off x="7014575" y="688932"/>
-            <a:ext cx="4572000" cy="3688189"/>
-          </a:xfrm>
-        </p:spPr>
-        <p:txBody>
-          <a:bodyPr bIns="182880">
-            <a:spAutoFit/>
-          </a:bodyPr>
-          <a:lstStyle/>
-          <a:p>
-            <a:r>
-              <a:rPr lang="en-US"/>
-              <a:t>To get this text box to fit the text: right click on the text box, choose Format Text Effects, click the right symbol TextBox, click Do Not Auto Fit, then click Resize Shape to Fit Text, the box should conform to fit the text.</a:t>
-            </a:r>
-          </a:p>
-          <a:p>
-            <a:r>
-              <a:rPr lang="en-US"/>
-              <a:t>Actually helvetica fam offal typewriter hashtag blog. Intelligentsia bushwick activated charcoal 8-bit woke occupy taiyaki cred fingerstache green juice unicorn meggings tilde.</a:t>
-            </a:r>
-            <a:endParaRPr lang="en-US" dirty="0"/>
-          </a:p>
-        </p:txBody>
-      </p:sp>
-    </p:spTree>
-    <p:extLst>
-      <p:ext uri="{BB962C8B-B14F-4D97-AF65-F5344CB8AC3E}">
-        <p14:creationId xmlns:p14="http://schemas.microsoft.com/office/powerpoint/2010/main" val="3172430368"/>
       </p:ext>
     </p:extLst>
   </p:cSld>
@@ -5696,16 +4898,16 @@
         <a:srgbClr val="FF0000"/>
       </a:folHlink>
     </a:clrScheme>
-    <a:fontScheme name="Arial both">
+    <a:fontScheme name="Fira Sans">
       <a:majorFont>
-        <a:latin typeface="Arial"/>
+        <a:latin typeface="Fira Sans"/>
         <a:ea typeface=""/>
-        <a:cs typeface=""/>
+        <a:cs typeface="Fira Sans"/>
       </a:majorFont>
       <a:minorFont>
-        <a:latin typeface="Arial"/>
+        <a:latin typeface="Fira Sans"/>
         <a:ea typeface=""/>
-        <a:cs typeface=""/>
+        <a:cs typeface="Fira Sans"/>
       </a:minorFont>
     </a:fontScheme>
     <a:fmtScheme name="Riblet">

--- a/ee523/evaluation/p/ee523_project_presentation_aryan_ritwajeet_jha.pptx
+++ b/ee523/evaluation/p/ee523_project_presentation_aryan_ritwajeet_jha.pptx
@@ -228,7 +228,7 @@
           <a:p>
             <a:fld id="{D542D976-EE9F-4D81-93B4-309048736BC3}" type="datetimeFigureOut">
               <a:rPr lang="en-US" smtClean="0"/>
-              <a:t>3/25/2023</a:t>
+              <a:t>3/27/2023</a:t>
             </a:fld>
             <a:endParaRPr lang="en-US"/>
           </a:p>
@@ -405,7 +405,7 @@
           <a:p>
             <a:fld id="{10CB9D09-B8C5-4B94-B5DC-AF4ED464E025}" type="datetimeFigureOut">
               <a:rPr lang="en-US" smtClean="0"/>
-              <a:t>3/25/2023</a:t>
+              <a:t>3/26/2023</a:t>
             </a:fld>
             <a:endParaRPr lang="en-US"/>
           </a:p>

--- a/ee523/evaluation/p/ee523_project_presentation_aryan_ritwajeet_jha.pptx
+++ b/ee523/evaluation/p/ee523_project_presentation_aryan_ritwajeet_jha.pptx
@@ -5,15 +5,16 @@
     <p:sldMasterId id="2147483686" r:id="rId1"/>
   </p:sldMasterIdLst>
   <p:notesMasterIdLst>
-    <p:notesMasterId r:id="rId5"/>
+    <p:notesMasterId r:id="rId6"/>
   </p:notesMasterIdLst>
   <p:handoutMasterIdLst>
-    <p:handoutMasterId r:id="rId6"/>
+    <p:handoutMasterId r:id="rId7"/>
   </p:handoutMasterIdLst>
   <p:sldIdLst>
     <p:sldId id="257" r:id="rId2"/>
     <p:sldId id="276" r:id="rId3"/>
     <p:sldId id="264" r:id="rId4"/>
+    <p:sldId id="278" r:id="rId5"/>
   </p:sldIdLst>
   <p:sldSz cx="12192000" cy="6858000"/>
   <p:notesSz cx="6858000" cy="9144000"/>
@@ -228,7 +229,7 @@
           <a:p>
             <a:fld id="{D542D976-EE9F-4D81-93B4-309048736BC3}" type="datetimeFigureOut">
               <a:rPr lang="en-US" smtClean="0"/>
-              <a:t>3/27/2023</a:t>
+              <a:t>4/8/2023</a:t>
             </a:fld>
             <a:endParaRPr lang="en-US"/>
           </a:p>
@@ -405,7 +406,7 @@
           <a:p>
             <a:fld id="{10CB9D09-B8C5-4B94-B5DC-AF4ED464E025}" type="datetimeFigureOut">
               <a:rPr lang="en-US" smtClean="0"/>
-              <a:t>3/26/2023</a:t>
+              <a:t>4/8/2023</a:t>
             </a:fld>
             <a:endParaRPr lang="en-US"/>
           </a:p>
@@ -4366,48 +4367,168 @@
           </a:p>
         </p:txBody>
       </p:sp>
-      <p:sp>
-        <p:nvSpPr>
-          <p:cNvPr id="4" name="TextBox 3">
+      <p:grpSp>
+        <p:nvGrpSpPr>
+          <p:cNvPr id="7" name="Group 6">
             <a:extLst>
               <a:ext uri="{FF2B5EF4-FFF2-40B4-BE49-F238E27FC236}">
-                <a16:creationId xmlns:a16="http://schemas.microsoft.com/office/drawing/2014/main" id="{AEED74C1-3EB5-607D-C472-D4732726DE78}"/>
+                <a16:creationId xmlns:a16="http://schemas.microsoft.com/office/drawing/2014/main" id="{F6C25B18-7E7B-FEC5-51A6-2934C67B374E}"/>
               </a:ext>
             </a:extLst>
           </p:cNvPr>
-          <p:cNvSpPr txBox="1"/>
+          <p:cNvGrpSpPr/>
           <p:nvPr/>
-        </p:nvSpPr>
-        <p:spPr>
-          <a:xfrm>
-            <a:off x="595281" y="2772740"/>
-            <a:ext cx="11113949" cy="369332"/>
-          </a:xfrm>
-          <a:prstGeom prst="rect">
-            <a:avLst/>
-          </a:prstGeom>
-          <a:noFill/>
-        </p:spPr>
-        <p:txBody>
-          <a:bodyPr wrap="square" rtlCol="0">
-            <a:spAutoFit/>
-          </a:bodyPr>
-          <a:lstStyle/>
-          <a:p>
-            <a:pPr algn="r"/>
-            <a:r>
-              <a:rPr lang="en-IN" i="1" dirty="0">
-                <a:solidFill>
-                  <a:schemeClr val="bg2"/>
-                </a:solidFill>
-                <a:latin typeface="Arial" panose="020B0604020202020204" pitchFamily="34" charset="0"/>
-                <a:cs typeface="Arial" panose="020B0604020202020204" pitchFamily="34" charset="0"/>
-              </a:rPr>
-              <a:t>Chao Lu, Jennie Si, and Xiaorong Xie</a:t>
-            </a:r>
-          </a:p>
-        </p:txBody>
-      </p:sp>
+        </p:nvGrpSpPr>
+        <p:grpSpPr>
+          <a:xfrm>
+            <a:off x="527825" y="2949302"/>
+            <a:ext cx="11246949" cy="381093"/>
+            <a:chOff x="265497" y="2964292"/>
+            <a:chExt cx="11246949" cy="381093"/>
+          </a:xfrm>
+        </p:grpSpPr>
+        <p:sp>
+          <p:nvSpPr>
+            <p:cNvPr id="4" name="TextBox 3">
+              <a:extLst>
+                <a:ext uri="{FF2B5EF4-FFF2-40B4-BE49-F238E27FC236}">
+                  <a16:creationId xmlns:a16="http://schemas.microsoft.com/office/drawing/2014/main" id="{AEED74C1-3EB5-607D-C472-D4732726DE78}"/>
+                </a:ext>
+              </a:extLst>
+            </p:cNvPr>
+            <p:cNvSpPr txBox="1"/>
+            <p:nvPr/>
+          </p:nvSpPr>
+          <p:spPr>
+            <a:xfrm>
+              <a:off x="7247744" y="2976054"/>
+              <a:ext cx="4264702" cy="369331"/>
+            </a:xfrm>
+            <a:prstGeom prst="rect">
+              <a:avLst/>
+            </a:prstGeom>
+            <a:gradFill flip="none" rotWithShape="1">
+              <a:gsLst>
+                <a:gs pos="5000">
+                  <a:schemeClr val="accent1">
+                    <a:lumMod val="5000"/>
+                    <a:lumOff val="95000"/>
+                  </a:schemeClr>
+                </a:gs>
+                <a:gs pos="86000">
+                  <a:schemeClr val="accent1">
+                    <a:lumMod val="45000"/>
+                    <a:lumOff val="55000"/>
+                  </a:schemeClr>
+                </a:gs>
+                <a:gs pos="83000">
+                  <a:schemeClr val="accent1">
+                    <a:lumMod val="45000"/>
+                    <a:lumOff val="55000"/>
+                  </a:schemeClr>
+                </a:gs>
+                <a:gs pos="100000">
+                  <a:schemeClr val="accent1">
+                    <a:lumMod val="30000"/>
+                    <a:lumOff val="70000"/>
+                  </a:schemeClr>
+                </a:gs>
+              </a:gsLst>
+              <a:lin ang="5400000" scaled="1"/>
+              <a:tileRect/>
+            </a:gradFill>
+          </p:spPr>
+          <p:txBody>
+            <a:bodyPr wrap="square" rtlCol="0">
+              <a:noAutofit/>
+            </a:bodyPr>
+            <a:lstStyle/>
+            <a:p>
+              <a:pPr algn="ctr"/>
+              <a:r>
+                <a:rPr lang="en-IN" b="1" i="1" dirty="0">
+                  <a:solidFill>
+                    <a:schemeClr val="bg2"/>
+                  </a:solidFill>
+                  <a:latin typeface="Arial" panose="020B0604020202020204" pitchFamily="34" charset="0"/>
+                  <a:cs typeface="Arial" panose="020B0604020202020204" pitchFamily="34" charset="0"/>
+                </a:rPr>
+                <a:t>Chao Lu, Jennie Si, and Xiaorong Xie</a:t>
+              </a:r>
+            </a:p>
+          </p:txBody>
+        </p:sp>
+        <p:sp>
+          <p:nvSpPr>
+            <p:cNvPr id="5" name="TextBox 4">
+              <a:extLst>
+                <a:ext uri="{FF2B5EF4-FFF2-40B4-BE49-F238E27FC236}">
+                  <a16:creationId xmlns:a16="http://schemas.microsoft.com/office/drawing/2014/main" id="{3DE70CEB-F0A5-4A13-9E61-D3924D461B57}"/>
+                </a:ext>
+              </a:extLst>
+            </p:cNvPr>
+            <p:cNvSpPr txBox="1"/>
+            <p:nvPr/>
+          </p:nvSpPr>
+          <p:spPr>
+            <a:xfrm>
+              <a:off x="265497" y="2964292"/>
+              <a:ext cx="6982247" cy="369332"/>
+            </a:xfrm>
+            <a:prstGeom prst="rect">
+              <a:avLst/>
+            </a:prstGeom>
+            <a:gradFill flip="none" rotWithShape="1">
+              <a:gsLst>
+                <a:gs pos="0">
+                  <a:schemeClr val="accent6">
+                    <a:lumMod val="5000"/>
+                    <a:lumOff val="95000"/>
+                  </a:schemeClr>
+                </a:gs>
+                <a:gs pos="74000">
+                  <a:schemeClr val="accent6">
+                    <a:lumMod val="45000"/>
+                    <a:lumOff val="55000"/>
+                  </a:schemeClr>
+                </a:gs>
+                <a:gs pos="83000">
+                  <a:schemeClr val="accent6">
+                    <a:lumMod val="45000"/>
+                    <a:lumOff val="55000"/>
+                  </a:schemeClr>
+                </a:gs>
+                <a:gs pos="100000">
+                  <a:schemeClr val="accent6">
+                    <a:lumMod val="30000"/>
+                    <a:lumOff val="70000"/>
+                  </a:schemeClr>
+                </a:gs>
+              </a:gsLst>
+              <a:lin ang="5400000" scaled="1"/>
+              <a:tileRect/>
+            </a:gradFill>
+          </p:spPr>
+          <p:txBody>
+            <a:bodyPr wrap="square" rtlCol="0">
+              <a:noAutofit/>
+            </a:bodyPr>
+            <a:lstStyle/>
+            <a:p>
+              <a:r>
+                <a:rPr lang="en-IN" b="1" i="1" dirty="0">
+                  <a:solidFill>
+                    <a:schemeClr val="accent2"/>
+                  </a:solidFill>
+                  <a:latin typeface="Arial" panose="020B0604020202020204" pitchFamily="34" charset="0"/>
+                  <a:cs typeface="Arial" panose="020B0604020202020204" pitchFamily="34" charset="0"/>
+                </a:rPr>
+                <a:t>IEEE Transactions on Systems, Man and Cybernetics (2008)</a:t>
+              </a:r>
+            </a:p>
+          </p:txBody>
+        </p:sp>
+      </p:grpSp>
     </p:spTree>
     <p:extLst>
       <p:ext uri="{BB962C8B-B14F-4D97-AF65-F5344CB8AC3E}">
@@ -4848,6 +4969,268 @@
     <p:extLst>
       <p:ext uri="{BB962C8B-B14F-4D97-AF65-F5344CB8AC3E}">
         <p14:creationId xmlns:p14="http://schemas.microsoft.com/office/powerpoint/2010/main" val="3573548137"/>
+      </p:ext>
+    </p:extLst>
+  </p:cSld>
+  <p:clrMapOvr>
+    <a:masterClrMapping/>
+  </p:clrMapOvr>
+</p:sld>
+</file>
+
+<file path=ppt/slides/slide4.xml><?xml version="1.0" encoding="utf-8"?>
+<p:sld xmlns:a="http://schemas.openxmlformats.org/drawingml/2006/main" xmlns:r="http://schemas.openxmlformats.org/officeDocument/2006/relationships" xmlns:p="http://schemas.openxmlformats.org/presentationml/2006/main">
+  <p:cSld>
+    <p:spTree>
+      <p:nvGrpSpPr>
+        <p:cNvPr id="1" name=""/>
+        <p:cNvGrpSpPr/>
+        <p:nvPr/>
+      </p:nvGrpSpPr>
+      <p:grpSpPr>
+        <a:xfrm>
+          <a:off x="0" y="0"/>
+          <a:ext cx="0" cy="0"/>
+          <a:chOff x="0" y="0"/>
+          <a:chExt cx="0" cy="0"/>
+        </a:xfrm>
+      </p:grpSpPr>
+      <p:sp>
+        <p:nvSpPr>
+          <p:cNvPr id="2" name="Title 1">
+            <a:extLst>
+              <a:ext uri="{FF2B5EF4-FFF2-40B4-BE49-F238E27FC236}">
+                <a16:creationId xmlns:a16="http://schemas.microsoft.com/office/drawing/2014/main" id="{7E8EB730-B0DA-4A8F-A335-22B9758D3046}"/>
+              </a:ext>
+            </a:extLst>
+          </p:cNvPr>
+          <p:cNvSpPr>
+            <a:spLocks noGrp="1"/>
+          </p:cNvSpPr>
+          <p:nvPr>
+            <p:ph type="ctrTitle"/>
+          </p:nvPr>
+        </p:nvSpPr>
+        <p:spPr>
+          <a:xfrm>
+            <a:off x="595281" y="1650388"/>
+            <a:ext cx="11113949" cy="1137708"/>
+          </a:xfrm>
+        </p:spPr>
+        <p:txBody>
+          <a:bodyPr/>
+          <a:lstStyle/>
+          <a:p>
+            <a:r>
+              <a:rPr lang="en-IN" sz="4000" dirty="0"/>
+              <a:t>Online Learning Control by Association and Reinforcement</a:t>
+            </a:r>
+            <a:endParaRPr lang="en-US" sz="4000" b="1" dirty="0"/>
+          </a:p>
+        </p:txBody>
+      </p:sp>
+      <p:sp>
+        <p:nvSpPr>
+          <p:cNvPr id="3" name="Subtitle 2">
+            <a:extLst>
+              <a:ext uri="{FF2B5EF4-FFF2-40B4-BE49-F238E27FC236}">
+                <a16:creationId xmlns:a16="http://schemas.microsoft.com/office/drawing/2014/main" id="{2BE68964-B8D8-4EBC-B9D3-CCA6FA2AC332}"/>
+              </a:ext>
+            </a:extLst>
+          </p:cNvPr>
+          <p:cNvSpPr>
+            <a:spLocks noGrp="1"/>
+          </p:cNvSpPr>
+          <p:nvPr>
+            <p:ph type="subTitle" idx="1"/>
+          </p:nvPr>
+        </p:nvSpPr>
+        <p:spPr>
+          <a:xfrm>
+            <a:off x="1524000" y="4248485"/>
+            <a:ext cx="9144000" cy="1137708"/>
+          </a:xfrm>
+        </p:spPr>
+        <p:txBody>
+          <a:bodyPr>
+            <a:normAutofit/>
+          </a:bodyPr>
+          <a:lstStyle/>
+          <a:p>
+            <a:endParaRPr lang="en-US" sz="3600" i="1" dirty="0">
+              <a:latin typeface="Amiri" panose="00000500000000000000" pitchFamily="2" charset="-78"/>
+              <a:ea typeface="Amiri" panose="00000500000000000000" pitchFamily="2" charset="-78"/>
+              <a:cs typeface="Amiri" panose="00000500000000000000" pitchFamily="2" charset="-78"/>
+            </a:endParaRPr>
+          </a:p>
+        </p:txBody>
+      </p:sp>
+      <p:grpSp>
+        <p:nvGrpSpPr>
+          <p:cNvPr id="7" name="Group 6">
+            <a:extLst>
+              <a:ext uri="{FF2B5EF4-FFF2-40B4-BE49-F238E27FC236}">
+                <a16:creationId xmlns:a16="http://schemas.microsoft.com/office/drawing/2014/main" id="{B5961D7C-79F8-BD1E-090A-7CDCAA4C709E}"/>
+              </a:ext>
+            </a:extLst>
+          </p:cNvPr>
+          <p:cNvGrpSpPr/>
+          <p:nvPr/>
+        </p:nvGrpSpPr>
+        <p:grpSpPr>
+          <a:xfrm>
+            <a:off x="1772191" y="2896005"/>
+            <a:ext cx="8647617" cy="449782"/>
+            <a:chOff x="1500603" y="2788093"/>
+            <a:chExt cx="8647617" cy="449782"/>
+          </a:xfrm>
+        </p:grpSpPr>
+        <p:sp>
+          <p:nvSpPr>
+            <p:cNvPr id="4" name="TextBox 3">
+              <a:extLst>
+                <a:ext uri="{FF2B5EF4-FFF2-40B4-BE49-F238E27FC236}">
+                  <a16:creationId xmlns:a16="http://schemas.microsoft.com/office/drawing/2014/main" id="{AEED74C1-3EB5-607D-C472-D4732726DE78}"/>
+                </a:ext>
+              </a:extLst>
+            </p:cNvPr>
+            <p:cNvSpPr txBox="1"/>
+            <p:nvPr/>
+          </p:nvSpPr>
+          <p:spPr>
+            <a:xfrm>
+              <a:off x="6657218" y="2788093"/>
+              <a:ext cx="3491002" cy="449782"/>
+            </a:xfrm>
+            <a:prstGeom prst="rect">
+              <a:avLst/>
+            </a:prstGeom>
+            <a:gradFill flip="none" rotWithShape="1">
+              <a:gsLst>
+                <a:gs pos="0">
+                  <a:schemeClr val="accent1">
+                    <a:lumMod val="5000"/>
+                    <a:lumOff val="95000"/>
+                  </a:schemeClr>
+                </a:gs>
+                <a:gs pos="86000">
+                  <a:schemeClr val="accent1">
+                    <a:lumMod val="45000"/>
+                    <a:lumOff val="55000"/>
+                  </a:schemeClr>
+                </a:gs>
+                <a:gs pos="83000">
+                  <a:schemeClr val="accent1">
+                    <a:lumMod val="45000"/>
+                    <a:lumOff val="55000"/>
+                  </a:schemeClr>
+                </a:gs>
+                <a:gs pos="100000">
+                  <a:schemeClr val="accent1">
+                    <a:lumMod val="30000"/>
+                    <a:lumOff val="70000"/>
+                  </a:schemeClr>
+                </a:gs>
+              </a:gsLst>
+              <a:lin ang="5400000" scaled="1"/>
+              <a:tileRect/>
+            </a:gradFill>
+          </p:spPr>
+          <p:txBody>
+            <a:bodyPr wrap="square" rtlCol="0">
+              <a:noAutofit/>
+            </a:bodyPr>
+            <a:lstStyle/>
+            <a:p>
+              <a:pPr algn="r"/>
+              <a:r>
+                <a:rPr lang="en-IN" b="1" i="1" dirty="0">
+                  <a:solidFill>
+                    <a:schemeClr val="bg2"/>
+                  </a:solidFill>
+                  <a:latin typeface="Arial" panose="020B0604020202020204" pitchFamily="34" charset="0"/>
+                  <a:cs typeface="Arial" panose="020B0604020202020204" pitchFamily="34" charset="0"/>
+                </a:rPr>
+                <a:t>Jennie Si and Yu-Tsung Wang</a:t>
+              </a:r>
+            </a:p>
+          </p:txBody>
+        </p:sp>
+        <p:sp>
+          <p:nvSpPr>
+            <p:cNvPr id="5" name="TextBox 4">
+              <a:extLst>
+                <a:ext uri="{FF2B5EF4-FFF2-40B4-BE49-F238E27FC236}">
+                  <a16:creationId xmlns:a16="http://schemas.microsoft.com/office/drawing/2014/main" id="{3DE70CEB-F0A5-4A13-9E61-D3924D461B57}"/>
+                </a:ext>
+              </a:extLst>
+            </p:cNvPr>
+            <p:cNvSpPr txBox="1"/>
+            <p:nvPr/>
+          </p:nvSpPr>
+          <p:spPr>
+            <a:xfrm>
+              <a:off x="1500603" y="2788093"/>
+              <a:ext cx="5156615" cy="449782"/>
+            </a:xfrm>
+            <a:prstGeom prst="rect">
+              <a:avLst/>
+            </a:prstGeom>
+            <a:gradFill flip="none" rotWithShape="1">
+              <a:gsLst>
+                <a:gs pos="0">
+                  <a:schemeClr val="accent6">
+                    <a:lumMod val="5000"/>
+                    <a:lumOff val="95000"/>
+                  </a:schemeClr>
+                </a:gs>
+                <a:gs pos="74000">
+                  <a:schemeClr val="accent6">
+                    <a:lumMod val="45000"/>
+                    <a:lumOff val="55000"/>
+                  </a:schemeClr>
+                </a:gs>
+                <a:gs pos="83000">
+                  <a:schemeClr val="accent6">
+                    <a:lumMod val="45000"/>
+                    <a:lumOff val="55000"/>
+                  </a:schemeClr>
+                </a:gs>
+                <a:gs pos="100000">
+                  <a:schemeClr val="accent6">
+                    <a:lumMod val="30000"/>
+                    <a:lumOff val="70000"/>
+                  </a:schemeClr>
+                </a:gs>
+              </a:gsLst>
+              <a:lin ang="5400000" scaled="1"/>
+              <a:tileRect/>
+            </a:gradFill>
+          </p:spPr>
+          <p:txBody>
+            <a:bodyPr wrap="square" rtlCol="0">
+              <a:noAutofit/>
+            </a:bodyPr>
+            <a:lstStyle/>
+            <a:p>
+              <a:r>
+                <a:rPr lang="en-IN" b="1" i="1" dirty="0">
+                  <a:solidFill>
+                    <a:schemeClr val="accent2"/>
+                  </a:solidFill>
+                  <a:latin typeface="Arial" panose="020B0604020202020204" pitchFamily="34" charset="0"/>
+                  <a:cs typeface="Arial" panose="020B0604020202020204" pitchFamily="34" charset="0"/>
+                </a:rPr>
+                <a:t>IEEE Transactions on Neural Networks (2001)</a:t>
+              </a:r>
+            </a:p>
+          </p:txBody>
+        </p:sp>
+      </p:grpSp>
+    </p:spTree>
+    <p:extLst>
+      <p:ext uri="{BB962C8B-B14F-4D97-AF65-F5344CB8AC3E}">
+        <p14:creationId xmlns:p14="http://schemas.microsoft.com/office/powerpoint/2010/main" val="2329999693"/>
       </p:ext>
     </p:extLst>
   </p:cSld>

--- a/ee523/evaluation/p/ee523_project_presentation_aryan_ritwajeet_jha.pptx
+++ b/ee523/evaluation/p/ee523_project_presentation_aryan_ritwajeet_jha.pptx
@@ -5,16 +5,21 @@
     <p:sldMasterId id="2147483686" r:id="rId1"/>
   </p:sldMasterIdLst>
   <p:notesMasterIdLst>
-    <p:notesMasterId r:id="rId6"/>
+    <p:notesMasterId r:id="rId11"/>
   </p:notesMasterIdLst>
   <p:handoutMasterIdLst>
-    <p:handoutMasterId r:id="rId7"/>
+    <p:handoutMasterId r:id="rId12"/>
   </p:handoutMasterIdLst>
   <p:sldIdLst>
     <p:sldId id="257" r:id="rId2"/>
     <p:sldId id="276" r:id="rId3"/>
     <p:sldId id="264" r:id="rId4"/>
     <p:sldId id="278" r:id="rId5"/>
+    <p:sldId id="280" r:id="rId6"/>
+    <p:sldId id="281" r:id="rId7"/>
+    <p:sldId id="282" r:id="rId8"/>
+    <p:sldId id="283" r:id="rId9"/>
+    <p:sldId id="279" r:id="rId10"/>
   </p:sldIdLst>
   <p:sldSz cx="12192000" cy="6858000"/>
   <p:notesSz cx="6858000" cy="9144000"/>
@@ -114,6 +119,23 @@
     </a:lvl9pPr>
   </p:defaultTextStyle>
   <p:extLst>
+    <p:ext uri="{521415D9-36F7-43E2-AB2F-B90AF26B5E84}">
+      <p14:sectionLst xmlns:p14="http://schemas.microsoft.com/office/powerpoint/2010/main">
+        <p14:section name="Default Section" id="{F11756C4-D106-4EA5-8CBA-2114D3C3C153}">
+          <p14:sldIdLst>
+            <p14:sldId id="257"/>
+            <p14:sldId id="276"/>
+            <p14:sldId id="264"/>
+            <p14:sldId id="278"/>
+            <p14:sldId id="280"/>
+            <p14:sldId id="281"/>
+            <p14:sldId id="282"/>
+            <p14:sldId id="283"/>
+            <p14:sldId id="279"/>
+          </p14:sldIdLst>
+        </p14:section>
+      </p14:sectionLst>
+    </p:ext>
     <p:ext uri="{EFAFB233-063F-42B5-8137-9DF3F51BA10A}">
       <p15:sldGuideLst xmlns:p15="http://schemas.microsoft.com/office/powerpoint/2012/main">
         <p15:guide id="1" orient="horz" pos="2160" userDrawn="1">
@@ -5047,21 +5069,140 @@
         </p:nvSpPr>
         <p:spPr>
           <a:xfrm>
-            <a:off x="1524000" y="4248485"/>
-            <a:ext cx="9144000" cy="1137708"/>
-          </a:xfrm>
-        </p:spPr>
+            <a:off x="1772191" y="4087549"/>
+            <a:ext cx="8356769" cy="1883300"/>
+          </a:xfrm>
+        </p:spPr>
+        <p:style>
+          <a:lnRef idx="2">
+            <a:schemeClr val="accent1"/>
+          </a:lnRef>
+          <a:fillRef idx="1">
+            <a:schemeClr val="lt1"/>
+          </a:fillRef>
+          <a:effectRef idx="0">
+            <a:schemeClr val="accent1"/>
+          </a:effectRef>
+          <a:fontRef idx="minor">
+            <a:schemeClr val="dk1"/>
+          </a:fontRef>
+        </p:style>
         <p:txBody>
           <a:bodyPr>
-            <a:normAutofit/>
+            <a:normAutofit fontScale="62500" lnSpcReduction="20000"/>
           </a:bodyPr>
           <a:lstStyle/>
           <a:p>
-            <a:endParaRPr lang="en-US" sz="3600" i="1" dirty="0">
+            <a:pPr algn="l"/>
+            <a:endParaRPr lang="en-US" sz="3600" dirty="0">
               <a:latin typeface="Amiri" panose="00000500000000000000" pitchFamily="2" charset="-78"/>
               <a:ea typeface="Amiri" panose="00000500000000000000" pitchFamily="2" charset="-78"/>
               <a:cs typeface="Amiri" panose="00000500000000000000" pitchFamily="2" charset="-78"/>
             </a:endParaRPr>
+          </a:p>
+          <a:p>
+            <a:pPr algn="l"/>
+            <a:r>
+              <a:rPr lang="en-US" sz="3600" dirty="0">
+                <a:latin typeface="Amiri" panose="00000500000000000000" pitchFamily="2" charset="-78"/>
+                <a:ea typeface="Amiri" panose="00000500000000000000" pitchFamily="2" charset="-78"/>
+                <a:cs typeface="Amiri" panose="00000500000000000000" pitchFamily="2" charset="-78"/>
+              </a:rPr>
+              <a:t>Among the various algorithms of </a:t>
+            </a:r>
+            <a:r>
+              <a:rPr lang="en-US" sz="3600" dirty="0">
+                <a:solidFill>
+                  <a:schemeClr val="accent2"/>
+                </a:solidFill>
+                <a:latin typeface="Amiri" panose="00000500000000000000" pitchFamily="2" charset="-78"/>
+                <a:ea typeface="Amiri" panose="00000500000000000000" pitchFamily="2" charset="-78"/>
+                <a:cs typeface="Amiri" panose="00000500000000000000" pitchFamily="2" charset="-78"/>
+              </a:rPr>
+              <a:t>Adaptive Critic Designs</a:t>
+            </a:r>
+            <a:r>
+              <a:rPr lang="en-US" sz="3600" dirty="0">
+                <a:latin typeface="Amiri" panose="00000500000000000000" pitchFamily="2" charset="-78"/>
+                <a:ea typeface="Amiri" panose="00000500000000000000" pitchFamily="2" charset="-78"/>
+                <a:cs typeface="Amiri" panose="00000500000000000000" pitchFamily="2" charset="-78"/>
+              </a:rPr>
+              <a:t>, a specific system architecture called </a:t>
+            </a:r>
+          </a:p>
+          <a:p>
+            <a:pPr algn="l"/>
+            <a:r>
+              <a:rPr lang="en-US" sz="3600" dirty="0">
+                <a:solidFill>
+                  <a:srgbClr val="FF0000"/>
+                </a:solidFill>
+                <a:latin typeface="Amiri" panose="00000500000000000000" pitchFamily="2" charset="-78"/>
+                <a:ea typeface="Amiri" panose="00000500000000000000" pitchFamily="2" charset="-78"/>
+                <a:cs typeface="Amiri" panose="00000500000000000000" pitchFamily="2" charset="-78"/>
+              </a:rPr>
+              <a:t>Action Dependent </a:t>
+            </a:r>
+            <a:r>
+              <a:rPr lang="en-US" sz="3600" dirty="0">
+                <a:solidFill>
+                  <a:schemeClr val="accent1"/>
+                </a:solidFill>
+                <a:latin typeface="Amiri" panose="00000500000000000000" pitchFamily="2" charset="-78"/>
+                <a:ea typeface="Amiri" panose="00000500000000000000" pitchFamily="2" charset="-78"/>
+                <a:cs typeface="Amiri" panose="00000500000000000000" pitchFamily="2" charset="-78"/>
+              </a:rPr>
+              <a:t>Heuristic Dynamic Programming </a:t>
+            </a:r>
+            <a:r>
+              <a:rPr lang="en-US" sz="3600" dirty="0">
+                <a:latin typeface="Amiri" panose="00000500000000000000" pitchFamily="2" charset="-78"/>
+                <a:ea typeface="Amiri" panose="00000500000000000000" pitchFamily="2" charset="-78"/>
+                <a:cs typeface="Amiri" panose="00000500000000000000" pitchFamily="2" charset="-78"/>
+              </a:rPr>
+              <a:t>(</a:t>
+            </a:r>
+            <a:r>
+              <a:rPr lang="en-US" sz="3600" dirty="0">
+                <a:solidFill>
+                  <a:srgbClr val="FF0000"/>
+                </a:solidFill>
+                <a:latin typeface="Amiri" panose="00000500000000000000" pitchFamily="2" charset="-78"/>
+                <a:ea typeface="Amiri" panose="00000500000000000000" pitchFamily="2" charset="-78"/>
+                <a:cs typeface="Amiri" panose="00000500000000000000" pitchFamily="2" charset="-78"/>
+              </a:rPr>
+              <a:t>AD</a:t>
+            </a:r>
+            <a:r>
+              <a:rPr lang="en-US" sz="3600" dirty="0">
+                <a:solidFill>
+                  <a:srgbClr val="C00000"/>
+                </a:solidFill>
+                <a:latin typeface="Amiri" panose="00000500000000000000" pitchFamily="2" charset="-78"/>
+                <a:ea typeface="Amiri" panose="00000500000000000000" pitchFamily="2" charset="-78"/>
+                <a:cs typeface="Amiri" panose="00000500000000000000" pitchFamily="2" charset="-78"/>
+              </a:rPr>
+              <a:t>HDP</a:t>
+            </a:r>
+            <a:r>
+              <a:rPr lang="en-US" sz="3600" dirty="0">
+                <a:latin typeface="Amiri" panose="00000500000000000000" pitchFamily="2" charset="-78"/>
+                <a:ea typeface="Amiri" panose="00000500000000000000" pitchFamily="2" charset="-78"/>
+                <a:cs typeface="Amiri" panose="00000500000000000000" pitchFamily="2" charset="-78"/>
+              </a:rPr>
+              <a:t>) </a:t>
+            </a:r>
+          </a:p>
+          <a:p>
+            <a:pPr algn="l"/>
+            <a:r>
+              <a:rPr lang="en-US" sz="3600" dirty="0">
+                <a:latin typeface="Amiri" panose="00000500000000000000" pitchFamily="2" charset="-78"/>
+                <a:ea typeface="Amiri" panose="00000500000000000000" pitchFamily="2" charset="-78"/>
+                <a:cs typeface="Amiri" panose="00000500000000000000" pitchFamily="2" charset="-78"/>
+              </a:rPr>
+              <a:t>for online learning control is proposed and demonstrated in this paper.</a:t>
+            </a:r>
           </a:p>
         </p:txBody>
       </p:sp>
@@ -5231,6 +5372,802 @@
     <p:extLst>
       <p:ext uri="{BB962C8B-B14F-4D97-AF65-F5344CB8AC3E}">
         <p14:creationId xmlns:p14="http://schemas.microsoft.com/office/powerpoint/2010/main" val="2329999693"/>
+      </p:ext>
+    </p:extLst>
+  </p:cSld>
+  <p:clrMapOvr>
+    <a:masterClrMapping/>
+  </p:clrMapOvr>
+</p:sld>
+</file>
+
+<file path=ppt/slides/slide5.xml><?xml version="1.0" encoding="utf-8"?>
+<p:sld xmlns:a="http://schemas.openxmlformats.org/drawingml/2006/main" xmlns:r="http://schemas.openxmlformats.org/officeDocument/2006/relationships" xmlns:p="http://schemas.openxmlformats.org/presentationml/2006/main">
+  <p:cSld>
+    <p:spTree>
+      <p:nvGrpSpPr>
+        <p:cNvPr id="1" name=""/>
+        <p:cNvGrpSpPr/>
+        <p:nvPr/>
+      </p:nvGrpSpPr>
+      <p:grpSpPr>
+        <a:xfrm>
+          <a:off x="0" y="0"/>
+          <a:ext cx="0" cy="0"/>
+          <a:chOff x="0" y="0"/>
+          <a:chExt cx="0" cy="0"/>
+        </a:xfrm>
+      </p:grpSpPr>
+      <p:sp>
+        <p:nvSpPr>
+          <p:cNvPr id="2" name="Content Placeholder 1">
+            <a:extLst>
+              <a:ext uri="{FF2B5EF4-FFF2-40B4-BE49-F238E27FC236}">
+                <a16:creationId xmlns:a16="http://schemas.microsoft.com/office/drawing/2014/main" id="{DDBFA327-8206-C884-2C49-0363335E5BE7}"/>
+              </a:ext>
+            </a:extLst>
+          </p:cNvPr>
+          <p:cNvSpPr>
+            <a:spLocks noGrp="1"/>
+          </p:cNvSpPr>
+          <p:nvPr>
+            <p:ph idx="1"/>
+          </p:nvPr>
+        </p:nvSpPr>
+        <p:spPr>
+          <a:xfrm>
+            <a:off x="1781174" y="2229633"/>
+            <a:ext cx="9348789" cy="3581620"/>
+          </a:xfrm>
+          <a:solidFill>
+            <a:schemeClr val="accent4">
+              <a:lumMod val="20000"/>
+              <a:lumOff val="80000"/>
+            </a:schemeClr>
+          </a:solidFill>
+        </p:spPr>
+        <p:txBody>
+          <a:bodyPr/>
+          <a:lstStyle/>
+          <a:p>
+            <a:r>
+              <a:rPr lang="en-IN" dirty="0"/>
+              <a:t>Domain: A class of learning decision and control problems where the environment/system that interacts with the ‘learner’ is NOT known beforehand. </a:t>
+            </a:r>
+          </a:p>
+          <a:p>
+            <a:r>
+              <a:rPr lang="en-IN" dirty="0"/>
+              <a:t>Environment: The environment can be Stochastic, Non-Linear and Subject to change over time. </a:t>
+            </a:r>
+            <a:r>
+              <a:rPr lang="en-IN" b="1" dirty="0">
+                <a:solidFill>
+                  <a:srgbClr val="FF0000"/>
+                </a:solidFill>
+              </a:rPr>
+              <a:t>(PUT AN EXAMPLE)</a:t>
+            </a:r>
+          </a:p>
+          <a:p>
+            <a:r>
+              <a:rPr lang="en-IN" dirty="0"/>
+              <a:t>Problem Statement: Devise a control learning algorithm which optimizes some sort of figure of merit over time. </a:t>
+            </a:r>
+            <a:r>
+              <a:rPr lang="en-IN" b="1" dirty="0">
+                <a:solidFill>
+                  <a:srgbClr val="FF0000"/>
+                </a:solidFill>
+              </a:rPr>
+              <a:t>(PUT AN EXAMPLE)</a:t>
+            </a:r>
+          </a:p>
+          <a:p>
+            <a:pPr marL="0" indent="0">
+              <a:buNone/>
+            </a:pPr>
+            <a:endParaRPr lang="en-IN" b="1" dirty="0">
+              <a:solidFill>
+                <a:srgbClr val="FF0000"/>
+              </a:solidFill>
+            </a:endParaRPr>
+          </a:p>
+          <a:p>
+            <a:endParaRPr lang="en-IN" dirty="0"/>
+          </a:p>
+        </p:txBody>
+      </p:sp>
+      <p:sp>
+        <p:nvSpPr>
+          <p:cNvPr id="3" name="Title 2">
+            <a:extLst>
+              <a:ext uri="{FF2B5EF4-FFF2-40B4-BE49-F238E27FC236}">
+                <a16:creationId xmlns:a16="http://schemas.microsoft.com/office/drawing/2014/main" id="{B0436C36-C793-8D40-5089-7E6395E0BDB9}"/>
+              </a:ext>
+            </a:extLst>
+          </p:cNvPr>
+          <p:cNvSpPr>
+            <a:spLocks noGrp="1"/>
+          </p:cNvSpPr>
+          <p:nvPr>
+            <p:ph type="title"/>
+          </p:nvPr>
+        </p:nvSpPr>
+        <p:spPr/>
+        <p:txBody>
+          <a:bodyPr/>
+          <a:lstStyle/>
+          <a:p>
+            <a:r>
+              <a:rPr lang="en-IN" dirty="0"/>
+              <a:t>Motivation behind Heuristic Dynamic Programming</a:t>
+            </a:r>
+          </a:p>
+        </p:txBody>
+      </p:sp>
+    </p:spTree>
+    <p:extLst>
+      <p:ext uri="{BB962C8B-B14F-4D97-AF65-F5344CB8AC3E}">
+        <p14:creationId xmlns:p14="http://schemas.microsoft.com/office/powerpoint/2010/main" val="1509933829"/>
+      </p:ext>
+    </p:extLst>
+  </p:cSld>
+  <p:clrMapOvr>
+    <a:masterClrMapping/>
+  </p:clrMapOvr>
+</p:sld>
+</file>
+
+<file path=ppt/slides/slide6.xml><?xml version="1.0" encoding="utf-8"?>
+<p:sld xmlns:a="http://schemas.openxmlformats.org/drawingml/2006/main" xmlns:r="http://schemas.openxmlformats.org/officeDocument/2006/relationships" xmlns:p="http://schemas.openxmlformats.org/presentationml/2006/main">
+  <p:cSld>
+    <p:spTree>
+      <p:nvGrpSpPr>
+        <p:cNvPr id="1" name=""/>
+        <p:cNvGrpSpPr/>
+        <p:nvPr/>
+      </p:nvGrpSpPr>
+      <p:grpSpPr>
+        <a:xfrm>
+          <a:off x="0" y="0"/>
+          <a:ext cx="0" cy="0"/>
+          <a:chOff x="0" y="0"/>
+          <a:chExt cx="0" cy="0"/>
+        </a:xfrm>
+      </p:grpSpPr>
+      <p:sp>
+        <p:nvSpPr>
+          <p:cNvPr id="2" name="Content Placeholder 1">
+            <a:extLst>
+              <a:ext uri="{FF2B5EF4-FFF2-40B4-BE49-F238E27FC236}">
+                <a16:creationId xmlns:a16="http://schemas.microsoft.com/office/drawing/2014/main" id="{DDBFA327-8206-C884-2C49-0363335E5BE7}"/>
+              </a:ext>
+            </a:extLst>
+          </p:cNvPr>
+          <p:cNvSpPr>
+            <a:spLocks noGrp="1"/>
+          </p:cNvSpPr>
+          <p:nvPr>
+            <p:ph idx="1"/>
+          </p:nvPr>
+        </p:nvSpPr>
+        <p:spPr>
+          <a:xfrm>
+            <a:off x="1781174" y="2229633"/>
+            <a:ext cx="9348789" cy="3581620"/>
+          </a:xfrm>
+          <a:solidFill>
+            <a:schemeClr val="accent4">
+              <a:lumMod val="20000"/>
+              <a:lumOff val="80000"/>
+            </a:schemeClr>
+          </a:solidFill>
+        </p:spPr>
+        <p:txBody>
+          <a:bodyPr/>
+          <a:lstStyle/>
+          <a:p>
+            <a:r>
+              <a:rPr lang="en-IN" dirty="0"/>
+              <a:t>Learning Timeline: ‘On-the-fly’ i.e. Online learning during interaction with the environment itself. </a:t>
+            </a:r>
+          </a:p>
+          <a:p>
+            <a:r>
+              <a:rPr lang="en-IN" dirty="0"/>
+              <a:t>Learning Outcome: While measurements from the environment are available from one decision and control step to the next, a final outcome of the learning process from a generated sequence of decisions and controls may come as a delayed signal in only an indicative ‘win’ or ‘lose’ format.	</a:t>
+            </a:r>
+            <a:endParaRPr lang="en-IN" b="1" dirty="0">
+              <a:solidFill>
+                <a:srgbClr val="FF0000"/>
+              </a:solidFill>
+            </a:endParaRPr>
+          </a:p>
+          <a:p>
+            <a:endParaRPr lang="en-IN" dirty="0"/>
+          </a:p>
+        </p:txBody>
+      </p:sp>
+      <p:sp>
+        <p:nvSpPr>
+          <p:cNvPr id="3" name="Title 2">
+            <a:extLst>
+              <a:ext uri="{FF2B5EF4-FFF2-40B4-BE49-F238E27FC236}">
+                <a16:creationId xmlns:a16="http://schemas.microsoft.com/office/drawing/2014/main" id="{B0436C36-C793-8D40-5089-7E6395E0BDB9}"/>
+              </a:ext>
+            </a:extLst>
+          </p:cNvPr>
+          <p:cNvSpPr>
+            <a:spLocks noGrp="1"/>
+          </p:cNvSpPr>
+          <p:nvPr>
+            <p:ph type="title"/>
+          </p:nvPr>
+        </p:nvSpPr>
+        <p:spPr/>
+        <p:txBody>
+          <a:bodyPr/>
+          <a:lstStyle/>
+          <a:p>
+            <a:r>
+              <a:rPr lang="en-IN" dirty="0"/>
+              <a:t>Motivation behind Heuristic Dynamic Programming</a:t>
+            </a:r>
+          </a:p>
+        </p:txBody>
+      </p:sp>
+    </p:spTree>
+    <p:extLst>
+      <p:ext uri="{BB962C8B-B14F-4D97-AF65-F5344CB8AC3E}">
+        <p14:creationId xmlns:p14="http://schemas.microsoft.com/office/powerpoint/2010/main" val="3777644098"/>
+      </p:ext>
+    </p:extLst>
+  </p:cSld>
+  <p:clrMapOvr>
+    <a:masterClrMapping/>
+  </p:clrMapOvr>
+</p:sld>
+</file>
+
+<file path=ppt/slides/slide7.xml><?xml version="1.0" encoding="utf-8"?>
+<p:sld xmlns:a="http://schemas.openxmlformats.org/drawingml/2006/main" xmlns:r="http://schemas.openxmlformats.org/officeDocument/2006/relationships" xmlns:p="http://schemas.openxmlformats.org/presentationml/2006/main">
+  <p:cSld>
+    <p:spTree>
+      <p:nvGrpSpPr>
+        <p:cNvPr id="1" name=""/>
+        <p:cNvGrpSpPr/>
+        <p:nvPr/>
+      </p:nvGrpSpPr>
+      <p:grpSpPr>
+        <a:xfrm>
+          <a:off x="0" y="0"/>
+          <a:ext cx="0" cy="0"/>
+          <a:chOff x="0" y="0"/>
+          <a:chExt cx="0" cy="0"/>
+        </a:xfrm>
+      </p:grpSpPr>
+      <p:sp>
+        <p:nvSpPr>
+          <p:cNvPr id="2" name="Content Placeholder 1">
+            <a:extLst>
+              <a:ext uri="{FF2B5EF4-FFF2-40B4-BE49-F238E27FC236}">
+                <a16:creationId xmlns:a16="http://schemas.microsoft.com/office/drawing/2014/main" id="{DDBFA327-8206-C884-2C49-0363335E5BE7}"/>
+              </a:ext>
+            </a:extLst>
+          </p:cNvPr>
+          <p:cNvSpPr>
+            <a:spLocks noGrp="1"/>
+          </p:cNvSpPr>
+          <p:nvPr>
+            <p:ph idx="1"/>
+          </p:nvPr>
+        </p:nvSpPr>
+        <p:spPr>
+          <a:xfrm>
+            <a:off x="1781175" y="2077081"/>
+            <a:ext cx="4232066" cy="4347942"/>
+          </a:xfrm>
+          <a:solidFill>
+            <a:schemeClr val="accent4">
+              <a:lumMod val="20000"/>
+              <a:lumOff val="80000"/>
+            </a:schemeClr>
+          </a:solidFill>
+        </p:spPr>
+        <p:txBody>
+          <a:bodyPr/>
+          <a:lstStyle/>
+          <a:p>
+            <a:r>
+              <a:rPr lang="en-IN" dirty="0"/>
+              <a:t>Reinforcement Learning (RL) has garnered great intuitive appeal for solving such class of problems, especially since the implementation of Temporal Difference (TD) Learning Method. Noteworthy example: TD-Gammon program has learnt to play Backgammon at a grandmaster level.</a:t>
+            </a:r>
+          </a:p>
+          <a:p>
+            <a:endParaRPr lang="en-IN" dirty="0"/>
+          </a:p>
+        </p:txBody>
+      </p:sp>
+      <p:sp>
+        <p:nvSpPr>
+          <p:cNvPr id="3" name="Title 2">
+            <a:extLst>
+              <a:ext uri="{FF2B5EF4-FFF2-40B4-BE49-F238E27FC236}">
+                <a16:creationId xmlns:a16="http://schemas.microsoft.com/office/drawing/2014/main" id="{B0436C36-C793-8D40-5089-7E6395E0BDB9}"/>
+              </a:ext>
+            </a:extLst>
+          </p:cNvPr>
+          <p:cNvSpPr>
+            <a:spLocks noGrp="1"/>
+          </p:cNvSpPr>
+          <p:nvPr>
+            <p:ph type="title"/>
+          </p:nvPr>
+        </p:nvSpPr>
+        <p:spPr/>
+        <p:txBody>
+          <a:bodyPr/>
+          <a:lstStyle/>
+          <a:p>
+            <a:r>
+              <a:rPr lang="en-IN" dirty="0"/>
+              <a:t>Motivation behind Heuristic Dynamic Programming</a:t>
+            </a:r>
+          </a:p>
+        </p:txBody>
+      </p:sp>
+      <p:pic>
+        <p:nvPicPr>
+          <p:cNvPr id="5" name="Picture 4" descr="A screenshot of a game&#10;&#10;Description automatically generated with medium confidence">
+            <a:extLst>
+              <a:ext uri="{FF2B5EF4-FFF2-40B4-BE49-F238E27FC236}">
+                <a16:creationId xmlns:a16="http://schemas.microsoft.com/office/drawing/2014/main" id="{E17FA481-0C09-51FC-1880-91B30CED4F29}"/>
+              </a:ext>
+            </a:extLst>
+          </p:cNvPr>
+          <p:cNvPicPr>
+            <a:picLocks noChangeAspect="1"/>
+          </p:cNvPicPr>
+          <p:nvPr/>
+        </p:nvPicPr>
+        <p:blipFill>
+          <a:blip r:embed="rId2">
+            <a:extLst>
+              <a:ext uri="{28A0092B-C50C-407E-A947-70E740481C1C}">
+                <a14:useLocalDpi xmlns:a14="http://schemas.microsoft.com/office/drawing/2010/main" val="0"/>
+              </a:ext>
+            </a:extLst>
+          </a:blip>
+          <a:stretch>
+            <a:fillRect/>
+          </a:stretch>
+        </p:blipFill>
+        <p:spPr>
+          <a:xfrm>
+            <a:off x="6358191" y="2299311"/>
+            <a:ext cx="5653414" cy="3635206"/>
+          </a:xfrm>
+          <a:prstGeom prst="rect">
+            <a:avLst/>
+          </a:prstGeom>
+        </p:spPr>
+      </p:pic>
+    </p:spTree>
+    <p:extLst>
+      <p:ext uri="{BB962C8B-B14F-4D97-AF65-F5344CB8AC3E}">
+        <p14:creationId xmlns:p14="http://schemas.microsoft.com/office/powerpoint/2010/main" val="4201608016"/>
+      </p:ext>
+    </p:extLst>
+  </p:cSld>
+  <p:clrMapOvr>
+    <a:masterClrMapping/>
+  </p:clrMapOvr>
+</p:sld>
+</file>
+
+<file path=ppt/slides/slide8.xml><?xml version="1.0" encoding="utf-8"?>
+<p:sld xmlns:a="http://schemas.openxmlformats.org/drawingml/2006/main" xmlns:r="http://schemas.openxmlformats.org/officeDocument/2006/relationships" xmlns:p="http://schemas.openxmlformats.org/presentationml/2006/main">
+  <p:cSld>
+    <p:spTree>
+      <p:nvGrpSpPr>
+        <p:cNvPr id="1" name=""/>
+        <p:cNvGrpSpPr/>
+        <p:nvPr/>
+      </p:nvGrpSpPr>
+      <p:grpSpPr>
+        <a:xfrm>
+          <a:off x="0" y="0"/>
+          <a:ext cx="0" cy="0"/>
+          <a:chOff x="0" y="0"/>
+          <a:chExt cx="0" cy="0"/>
+        </a:xfrm>
+      </p:grpSpPr>
+      <p:sp>
+        <p:nvSpPr>
+          <p:cNvPr id="2" name="Content Placeholder 1">
+            <a:extLst>
+              <a:ext uri="{FF2B5EF4-FFF2-40B4-BE49-F238E27FC236}">
+                <a16:creationId xmlns:a16="http://schemas.microsoft.com/office/drawing/2014/main" id="{DDBFA327-8206-C884-2C49-0363335E5BE7}"/>
+              </a:ext>
+            </a:extLst>
+          </p:cNvPr>
+          <p:cNvSpPr>
+            <a:spLocks noGrp="1"/>
+          </p:cNvSpPr>
+          <p:nvPr>
+            <p:ph idx="1"/>
+          </p:nvPr>
+        </p:nvSpPr>
+        <p:spPr>
+          <a:xfrm>
+            <a:off x="1781174" y="2229633"/>
+            <a:ext cx="9348789" cy="4195390"/>
+          </a:xfrm>
+          <a:solidFill>
+            <a:schemeClr val="accent4">
+              <a:lumMod val="20000"/>
+              <a:lumOff val="80000"/>
+            </a:schemeClr>
+          </a:solidFill>
+        </p:spPr>
+        <p:txBody>
+          <a:bodyPr/>
+          <a:lstStyle/>
+          <a:p>
+            <a:r>
+              <a:rPr lang="en-IN" dirty="0">
+                <a:solidFill>
+                  <a:schemeClr val="tx1"/>
+                </a:solidFill>
+              </a:rPr>
+              <a:t>RL excels in Markovian Environments compared to traditional Supervised and Unsupervised Machine Learning Algorithms.</a:t>
+            </a:r>
+          </a:p>
+          <a:p>
+            <a:r>
+              <a:rPr lang="en-IN" dirty="0">
+                <a:solidFill>
+                  <a:schemeClr val="tx1"/>
+                </a:solidFill>
+              </a:rPr>
+              <a:t>Markovian Environment: An environment where a system’s next state is dependent on the current control step as well as the previous N states of the system.</a:t>
+            </a:r>
+          </a:p>
+          <a:p>
+            <a:endParaRPr lang="en-IN" dirty="0"/>
+          </a:p>
+        </p:txBody>
+      </p:sp>
+      <p:sp>
+        <p:nvSpPr>
+          <p:cNvPr id="3" name="Title 2">
+            <a:extLst>
+              <a:ext uri="{FF2B5EF4-FFF2-40B4-BE49-F238E27FC236}">
+                <a16:creationId xmlns:a16="http://schemas.microsoft.com/office/drawing/2014/main" id="{B0436C36-C793-8D40-5089-7E6395E0BDB9}"/>
+              </a:ext>
+            </a:extLst>
+          </p:cNvPr>
+          <p:cNvSpPr>
+            <a:spLocks noGrp="1"/>
+          </p:cNvSpPr>
+          <p:nvPr>
+            <p:ph type="title"/>
+          </p:nvPr>
+        </p:nvSpPr>
+        <p:spPr/>
+        <p:txBody>
+          <a:bodyPr/>
+          <a:lstStyle/>
+          <a:p>
+            <a:r>
+              <a:rPr lang="en-IN" dirty="0"/>
+              <a:t>Motivation behind Heuristic Dynamic Programming</a:t>
+            </a:r>
+          </a:p>
+        </p:txBody>
+      </p:sp>
+    </p:spTree>
+    <p:extLst>
+      <p:ext uri="{BB962C8B-B14F-4D97-AF65-F5344CB8AC3E}">
+        <p14:creationId xmlns:p14="http://schemas.microsoft.com/office/powerpoint/2010/main" val="3348736013"/>
+      </p:ext>
+    </p:extLst>
+  </p:cSld>
+  <p:clrMapOvr>
+    <a:masterClrMapping/>
+  </p:clrMapOvr>
+</p:sld>
+</file>
+
+<file path=ppt/slides/slide9.xml><?xml version="1.0" encoding="utf-8"?>
+<p:sld xmlns:a="http://schemas.openxmlformats.org/drawingml/2006/main" xmlns:r="http://schemas.openxmlformats.org/officeDocument/2006/relationships" xmlns:p="http://schemas.openxmlformats.org/presentationml/2006/main">
+  <p:cSld>
+    <p:spTree>
+      <p:nvGrpSpPr>
+        <p:cNvPr id="1" name=""/>
+        <p:cNvGrpSpPr/>
+        <p:nvPr/>
+      </p:nvGrpSpPr>
+      <p:grpSpPr>
+        <a:xfrm>
+          <a:off x="0" y="0"/>
+          <a:ext cx="0" cy="0"/>
+          <a:chOff x="0" y="0"/>
+          <a:chExt cx="0" cy="0"/>
+        </a:xfrm>
+      </p:grpSpPr>
+      <p:sp>
+        <p:nvSpPr>
+          <p:cNvPr id="2" name="Content Placeholder 1">
+            <a:extLst>
+              <a:ext uri="{FF2B5EF4-FFF2-40B4-BE49-F238E27FC236}">
+                <a16:creationId xmlns:a16="http://schemas.microsoft.com/office/drawing/2014/main" id="{5D5DC3B6-A4C9-1B5F-D473-B43998D916EA}"/>
+              </a:ext>
+            </a:extLst>
+          </p:cNvPr>
+          <p:cNvSpPr>
+            <a:spLocks noGrp="1"/>
+          </p:cNvSpPr>
+          <p:nvPr>
+            <p:ph idx="1"/>
+          </p:nvPr>
+        </p:nvSpPr>
+        <p:spPr/>
+        <p:txBody>
+          <a:bodyPr/>
+          <a:lstStyle/>
+          <a:p>
+            <a:r>
+              <a:rPr lang="en-US" sz="2800" dirty="0">
+                <a:latin typeface="Amiri" panose="00000500000000000000" pitchFamily="2" charset="-78"/>
+                <a:ea typeface="Amiri" panose="00000500000000000000" pitchFamily="2" charset="-78"/>
+                <a:cs typeface="Amiri" panose="00000500000000000000" pitchFamily="2" charset="-78"/>
+              </a:rPr>
+              <a:t>A Critic network ‘critiques’ the generated action value in order to optimize a future ‘reward-to-go’ by propagating a temporal difference between consecutive estimates from the critic/prediction network.</a:t>
+            </a:r>
+          </a:p>
+          <a:p>
+            <a:endParaRPr lang="en-US" sz="2800" dirty="0">
+              <a:latin typeface="Amiri" panose="00000500000000000000" pitchFamily="2" charset="-78"/>
+              <a:ea typeface="Amiri" panose="00000500000000000000" pitchFamily="2" charset="-78"/>
+              <a:cs typeface="Amiri" panose="00000500000000000000" pitchFamily="2" charset="-78"/>
+            </a:endParaRPr>
+          </a:p>
+          <a:p>
+            <a:endParaRPr lang="en-US" sz="2800" dirty="0">
+              <a:latin typeface="Amiri" panose="00000500000000000000" pitchFamily="2" charset="-78"/>
+              <a:ea typeface="Amiri" panose="00000500000000000000" pitchFamily="2" charset="-78"/>
+              <a:cs typeface="Amiri" panose="00000500000000000000" pitchFamily="2" charset="-78"/>
+            </a:endParaRPr>
+          </a:p>
+        </p:txBody>
+      </p:sp>
+      <p:sp>
+        <p:nvSpPr>
+          <p:cNvPr id="6" name="Title 1">
+            <a:extLst>
+              <a:ext uri="{FF2B5EF4-FFF2-40B4-BE49-F238E27FC236}">
+                <a16:creationId xmlns:a16="http://schemas.microsoft.com/office/drawing/2014/main" id="{AF12F8E3-FB89-B639-7CB9-B860F0EEAEE2}"/>
+              </a:ext>
+            </a:extLst>
+          </p:cNvPr>
+          <p:cNvSpPr txBox="1">
+            <a:spLocks/>
+          </p:cNvSpPr>
+          <p:nvPr/>
+        </p:nvSpPr>
+        <p:spPr>
+          <a:xfrm>
+            <a:off x="1078051" y="184926"/>
+            <a:ext cx="11113949" cy="1137708"/>
+          </a:xfrm>
+          <a:prstGeom prst="rect">
+            <a:avLst/>
+          </a:prstGeom>
+        </p:spPr>
+        <p:txBody>
+          <a:bodyPr vert="horz" lIns="0" tIns="0" rIns="0" bIns="0" rtlCol="0" anchor="b" anchorCtr="1">
+            <a:noAutofit/>
+          </a:bodyPr>
+          <a:lstStyle>
+            <a:lvl1pPr algn="ctr" defTabSz="914400" rtl="0" eaLnBrk="1" latinLnBrk="0" hangingPunct="1">
+              <a:lnSpc>
+                <a:spcPct val="90000"/>
+              </a:lnSpc>
+              <a:spcBef>
+                <a:spcPct val="0"/>
+              </a:spcBef>
+              <a:buNone/>
+              <a:defRPr lang="en-US" sz="4400" kern="1200" spc="-150" dirty="0">
+                <a:solidFill>
+                  <a:schemeClr val="tx2"/>
+                </a:solidFill>
+                <a:latin typeface="Sitka Banner" pitchFamily="2" charset="0"/>
+                <a:ea typeface="+mj-ea"/>
+                <a:cs typeface="+mj-cs"/>
+              </a:defRPr>
+            </a:lvl1pPr>
+          </a:lstStyle>
+          <a:p>
+            <a:r>
+              <a:rPr lang="en-US" sz="4000" dirty="0">
+                <a:latin typeface="Arial Black" panose="020B0A04020102020204" pitchFamily="34" charset="0"/>
+              </a:rPr>
+              <a:t>Online Learning Control by Association and Reinforcement</a:t>
+            </a:r>
+            <a:endParaRPr lang="en-US" sz="4000" b="1" dirty="0">
+              <a:latin typeface="Arial Black" panose="020B0A04020102020204" pitchFamily="34" charset="0"/>
+            </a:endParaRPr>
+          </a:p>
+        </p:txBody>
+      </p:sp>
+      <p:grpSp>
+        <p:nvGrpSpPr>
+          <p:cNvPr id="7" name="Group 6">
+            <a:extLst>
+              <a:ext uri="{FF2B5EF4-FFF2-40B4-BE49-F238E27FC236}">
+                <a16:creationId xmlns:a16="http://schemas.microsoft.com/office/drawing/2014/main" id="{78CDD86D-0DA0-8C5E-D1B6-C68F283679B3}"/>
+              </a:ext>
+            </a:extLst>
+          </p:cNvPr>
+          <p:cNvGrpSpPr/>
+          <p:nvPr/>
+        </p:nvGrpSpPr>
+        <p:grpSpPr>
+          <a:xfrm>
+            <a:off x="2254961" y="1430543"/>
+            <a:ext cx="8647617" cy="449782"/>
+            <a:chOff x="1500603" y="2788093"/>
+            <a:chExt cx="8647617" cy="449782"/>
+          </a:xfrm>
+        </p:grpSpPr>
+        <p:sp>
+          <p:nvSpPr>
+            <p:cNvPr id="8" name="TextBox 7">
+              <a:extLst>
+                <a:ext uri="{FF2B5EF4-FFF2-40B4-BE49-F238E27FC236}">
+                  <a16:creationId xmlns:a16="http://schemas.microsoft.com/office/drawing/2014/main" id="{A8C88299-82C3-D0D6-C9DD-5747CA12BBFC}"/>
+                </a:ext>
+              </a:extLst>
+            </p:cNvPr>
+            <p:cNvSpPr txBox="1"/>
+            <p:nvPr/>
+          </p:nvSpPr>
+          <p:spPr>
+            <a:xfrm>
+              <a:off x="6657218" y="2788093"/>
+              <a:ext cx="3491002" cy="449782"/>
+            </a:xfrm>
+            <a:prstGeom prst="rect">
+              <a:avLst/>
+            </a:prstGeom>
+            <a:gradFill flip="none" rotWithShape="1">
+              <a:gsLst>
+                <a:gs pos="0">
+                  <a:schemeClr val="accent1">
+                    <a:lumMod val="5000"/>
+                    <a:lumOff val="95000"/>
+                  </a:schemeClr>
+                </a:gs>
+                <a:gs pos="86000">
+                  <a:schemeClr val="accent1">
+                    <a:lumMod val="45000"/>
+                    <a:lumOff val="55000"/>
+                  </a:schemeClr>
+                </a:gs>
+                <a:gs pos="83000">
+                  <a:schemeClr val="accent1">
+                    <a:lumMod val="45000"/>
+                    <a:lumOff val="55000"/>
+                  </a:schemeClr>
+                </a:gs>
+                <a:gs pos="100000">
+                  <a:schemeClr val="accent1">
+                    <a:lumMod val="30000"/>
+                    <a:lumOff val="70000"/>
+                  </a:schemeClr>
+                </a:gs>
+              </a:gsLst>
+              <a:lin ang="5400000" scaled="1"/>
+              <a:tileRect/>
+            </a:gradFill>
+          </p:spPr>
+          <p:txBody>
+            <a:bodyPr wrap="square" rtlCol="0">
+              <a:noAutofit/>
+            </a:bodyPr>
+            <a:lstStyle/>
+            <a:p>
+              <a:pPr algn="r"/>
+              <a:r>
+                <a:rPr lang="en-IN" b="1" i="1" dirty="0">
+                  <a:solidFill>
+                    <a:schemeClr val="bg2"/>
+                  </a:solidFill>
+                  <a:latin typeface="Arial" panose="020B0604020202020204" pitchFamily="34" charset="0"/>
+                  <a:cs typeface="Arial" panose="020B0604020202020204" pitchFamily="34" charset="0"/>
+                </a:rPr>
+                <a:t>Jennie Si and Yu-Tsung Wang</a:t>
+              </a:r>
+            </a:p>
+          </p:txBody>
+        </p:sp>
+        <p:sp>
+          <p:nvSpPr>
+            <p:cNvPr id="9" name="TextBox 8">
+              <a:extLst>
+                <a:ext uri="{FF2B5EF4-FFF2-40B4-BE49-F238E27FC236}">
+                  <a16:creationId xmlns:a16="http://schemas.microsoft.com/office/drawing/2014/main" id="{055575DC-40AE-EFBE-1AFB-D132F1BD2AD0}"/>
+                </a:ext>
+              </a:extLst>
+            </p:cNvPr>
+            <p:cNvSpPr txBox="1"/>
+            <p:nvPr/>
+          </p:nvSpPr>
+          <p:spPr>
+            <a:xfrm>
+              <a:off x="1500603" y="2788093"/>
+              <a:ext cx="5156615" cy="449782"/>
+            </a:xfrm>
+            <a:prstGeom prst="rect">
+              <a:avLst/>
+            </a:prstGeom>
+            <a:gradFill flip="none" rotWithShape="1">
+              <a:gsLst>
+                <a:gs pos="0">
+                  <a:schemeClr val="accent6">
+                    <a:lumMod val="5000"/>
+                    <a:lumOff val="95000"/>
+                  </a:schemeClr>
+                </a:gs>
+                <a:gs pos="74000">
+                  <a:schemeClr val="accent6">
+                    <a:lumMod val="45000"/>
+                    <a:lumOff val="55000"/>
+                  </a:schemeClr>
+                </a:gs>
+                <a:gs pos="83000">
+                  <a:schemeClr val="accent6">
+                    <a:lumMod val="45000"/>
+                    <a:lumOff val="55000"/>
+                  </a:schemeClr>
+                </a:gs>
+                <a:gs pos="100000">
+                  <a:schemeClr val="accent6">
+                    <a:lumMod val="30000"/>
+                    <a:lumOff val="70000"/>
+                  </a:schemeClr>
+                </a:gs>
+              </a:gsLst>
+              <a:lin ang="5400000" scaled="1"/>
+              <a:tileRect/>
+            </a:gradFill>
+          </p:spPr>
+          <p:txBody>
+            <a:bodyPr wrap="square" rtlCol="0">
+              <a:noAutofit/>
+            </a:bodyPr>
+            <a:lstStyle/>
+            <a:p>
+              <a:r>
+                <a:rPr lang="en-IN" b="1" i="1" dirty="0">
+                  <a:solidFill>
+                    <a:schemeClr val="accent2"/>
+                  </a:solidFill>
+                  <a:latin typeface="Arial" panose="020B0604020202020204" pitchFamily="34" charset="0"/>
+                  <a:cs typeface="Arial" panose="020B0604020202020204" pitchFamily="34" charset="0"/>
+                </a:rPr>
+                <a:t>IEEE Transactions on Neural Networks (2001)</a:t>
+              </a:r>
+            </a:p>
+          </p:txBody>
+        </p:sp>
+      </p:grpSp>
+    </p:spTree>
+    <p:extLst>
+      <p:ext uri="{BB962C8B-B14F-4D97-AF65-F5344CB8AC3E}">
+        <p14:creationId xmlns:p14="http://schemas.microsoft.com/office/powerpoint/2010/main" val="2614996855"/>
       </p:ext>
     </p:extLst>
   </p:cSld>
